--- a/presentation.pptx
+++ b/presentation.pptx
@@ -5,7 +5,7 @@
     <p:sldMasterId id="2147483761" r:id="rId4"/>
   </p:sldMasterIdLst>
   <p:notesMasterIdLst>
-    <p:notesMasterId r:id="rId20"/>
+    <p:notesMasterId r:id="rId21"/>
   </p:notesMasterIdLst>
   <p:sldIdLst>
     <p:sldId id="257" r:id="rId5"/>
@@ -13,16 +13,17 @@
     <p:sldId id="259" r:id="rId7"/>
     <p:sldId id="261" r:id="rId8"/>
     <p:sldId id="262" r:id="rId9"/>
-    <p:sldId id="263" r:id="rId10"/>
-    <p:sldId id="273" r:id="rId11"/>
-    <p:sldId id="274" r:id="rId12"/>
+    <p:sldId id="275" r:id="rId10"/>
+    <p:sldId id="263" r:id="rId11"/>
+    <p:sldId id="273" r:id="rId12"/>
     <p:sldId id="264" r:id="rId13"/>
     <p:sldId id="265" r:id="rId14"/>
     <p:sldId id="266" r:id="rId15"/>
     <p:sldId id="267" r:id="rId16"/>
     <p:sldId id="269" r:id="rId17"/>
     <p:sldId id="270" r:id="rId18"/>
-    <p:sldId id="271" r:id="rId19"/>
+    <p:sldId id="276" r:id="rId19"/>
+    <p:sldId id="271" r:id="rId20"/>
   </p:sldIdLst>
   <p:sldSz cx="12192000" cy="6858000"/>
   <p:notesSz cx="6858000" cy="9144000"/>
@@ -498,7 +499,7 @@
       </p:grpSpPr>
       <p:sp>
         <p:nvSpPr>
-          <p:cNvPr id="2" name="Platshållare för bildobjekt 1"/>
+          <p:cNvPr id="2" name="Slide Image Placeholder 1"/>
           <p:cNvSpPr>
             <a:spLocks noGrp="1" noRot="1" noChangeAspect="1"/>
           </p:cNvSpPr>
@@ -510,7 +511,7 @@
       </p:sp>
       <p:sp>
         <p:nvSpPr>
-          <p:cNvPr id="3" name="Platshållare för anteckningar 2"/>
+          <p:cNvPr id="3" name="Notes Placeholder 2"/>
           <p:cNvSpPr>
             <a:spLocks noGrp="1"/>
           </p:cNvSpPr>
@@ -523,18 +524,18 @@
           <a:bodyPr/>
           <a:lstStyle/>
           <a:p>
-            <a:endParaRPr lang="sv-SE"/>
+            <a:endParaRPr lang="en-US" dirty="0"/>
           </a:p>
         </p:txBody>
       </p:sp>
       <p:sp>
         <p:nvSpPr>
-          <p:cNvPr id="4" name="Platshållare för bildnummer 3"/>
+          <p:cNvPr id="4" name="Slide Number Placeholder 3"/>
           <p:cNvSpPr>
             <a:spLocks noGrp="1"/>
           </p:cNvSpPr>
           <p:nvPr>
-            <p:ph type="sldNum" sz="quarter" idx="5"/>
+            <p:ph type="sldNum" sz="quarter" idx="10"/>
           </p:nvPr>
         </p:nvSpPr>
         <p:spPr/>
@@ -542,18 +543,18 @@
           <a:bodyPr/>
           <a:lstStyle/>
           <a:p>
-            <a:fld id="{E4F6468E-0EE7-44F7-BA89-1EAC8EE30427}" type="slidenum">
-              <a:rPr lang="sv-SE" smtClean="0"/>
-              <a:t>2</a:t>
+            <a:fld id="{EE9DA53D-750D-485B-96DA-D77B8489254A}" type="slidenum">
+              <a:rPr lang="en-US" smtClean="0"/>
+              <a:t>1</a:t>
             </a:fld>
-            <a:endParaRPr lang="sv-SE"/>
+            <a:endParaRPr lang="en-US"/>
           </a:p>
         </p:txBody>
       </p:sp>
     </p:spTree>
     <p:extLst>
       <p:ext uri="{BB962C8B-B14F-4D97-AF65-F5344CB8AC3E}">
-        <p14:creationId xmlns:p14="http://schemas.microsoft.com/office/powerpoint/2010/main" val="855329869"/>
+        <p14:creationId xmlns:p14="http://schemas.microsoft.com/office/powerpoint/2010/main" val="918083079"/>
       </p:ext>
     </p:extLst>
   </p:cSld>
@@ -628,7 +629,7 @@
           <a:p>
             <a:fld id="{E4F6468E-0EE7-44F7-BA89-1EAC8EE30427}" type="slidenum">
               <a:rPr lang="sv-SE" smtClean="0"/>
-              <a:t>11</a:t>
+              <a:t>10</a:t>
             </a:fld>
             <a:endParaRPr lang="sv-SE"/>
           </a:p>
@@ -637,7 +638,7 @@
     </p:spTree>
     <p:extLst>
       <p:ext uri="{BB962C8B-B14F-4D97-AF65-F5344CB8AC3E}">
-        <p14:creationId xmlns:p14="http://schemas.microsoft.com/office/powerpoint/2010/main" val="1529689345"/>
+        <p14:creationId xmlns:p14="http://schemas.microsoft.com/office/powerpoint/2010/main" val="2879162289"/>
       </p:ext>
     </p:extLst>
   </p:cSld>
@@ -712,7 +713,7 @@
           <a:p>
             <a:fld id="{E4F6468E-0EE7-44F7-BA89-1EAC8EE30427}" type="slidenum">
               <a:rPr lang="sv-SE" smtClean="0"/>
-              <a:t>12</a:t>
+              <a:t>11</a:t>
             </a:fld>
             <a:endParaRPr lang="sv-SE"/>
           </a:p>
@@ -721,7 +722,7 @@
     </p:spTree>
     <p:extLst>
       <p:ext uri="{BB962C8B-B14F-4D97-AF65-F5344CB8AC3E}">
-        <p14:creationId xmlns:p14="http://schemas.microsoft.com/office/powerpoint/2010/main" val="1203771417"/>
+        <p14:creationId xmlns:p14="http://schemas.microsoft.com/office/powerpoint/2010/main" val="1529689345"/>
       </p:ext>
     </p:extLst>
   </p:cSld>
@@ -796,7 +797,7 @@
           <a:p>
             <a:fld id="{E4F6468E-0EE7-44F7-BA89-1EAC8EE30427}" type="slidenum">
               <a:rPr lang="sv-SE" smtClean="0"/>
-              <a:t>13</a:t>
+              <a:t>12</a:t>
             </a:fld>
             <a:endParaRPr lang="sv-SE"/>
           </a:p>
@@ -805,7 +806,7 @@
     </p:spTree>
     <p:extLst>
       <p:ext uri="{BB962C8B-B14F-4D97-AF65-F5344CB8AC3E}">
-        <p14:creationId xmlns:p14="http://schemas.microsoft.com/office/powerpoint/2010/main" val="1112601043"/>
+        <p14:creationId xmlns:p14="http://schemas.microsoft.com/office/powerpoint/2010/main" val="1203771417"/>
       </p:ext>
     </p:extLst>
   </p:cSld>
@@ -880,7 +881,7 @@
           <a:p>
             <a:fld id="{E4F6468E-0EE7-44F7-BA89-1EAC8EE30427}" type="slidenum">
               <a:rPr lang="sv-SE" smtClean="0"/>
-              <a:t>14</a:t>
+              <a:t>13</a:t>
             </a:fld>
             <a:endParaRPr lang="sv-SE"/>
           </a:p>
@@ -889,7 +890,7 @@
     </p:spTree>
     <p:extLst>
       <p:ext uri="{BB962C8B-B14F-4D97-AF65-F5344CB8AC3E}">
-        <p14:creationId xmlns:p14="http://schemas.microsoft.com/office/powerpoint/2010/main" val="2649734194"/>
+        <p14:creationId xmlns:p14="http://schemas.microsoft.com/office/powerpoint/2010/main" val="1112601043"/>
       </p:ext>
     </p:extLst>
   </p:cSld>
@@ -964,7 +965,175 @@
           <a:p>
             <a:fld id="{E4F6468E-0EE7-44F7-BA89-1EAC8EE30427}" type="slidenum">
               <a:rPr lang="sv-SE" smtClean="0"/>
+              <a:t>14</a:t>
+            </a:fld>
+            <a:endParaRPr lang="sv-SE"/>
+          </a:p>
+        </p:txBody>
+      </p:sp>
+    </p:spTree>
+    <p:extLst>
+      <p:ext uri="{BB962C8B-B14F-4D97-AF65-F5344CB8AC3E}">
+        <p14:creationId xmlns:p14="http://schemas.microsoft.com/office/powerpoint/2010/main" val="2649734194"/>
+      </p:ext>
+    </p:extLst>
+  </p:cSld>
+  <p:clrMapOvr>
+    <a:masterClrMapping/>
+  </p:clrMapOvr>
+</p:notes>
+</file>
+
+<file path=ppt/notesSlides/notesSlide15.xml><?xml version="1.0" encoding="utf-8"?>
+<p:notes xmlns:a="http://schemas.openxmlformats.org/drawingml/2006/main" xmlns:r="http://schemas.openxmlformats.org/officeDocument/2006/relationships" xmlns:p="http://schemas.openxmlformats.org/presentationml/2006/main">
+  <p:cSld>
+    <p:spTree>
+      <p:nvGrpSpPr>
+        <p:cNvPr id="1" name=""/>
+        <p:cNvGrpSpPr/>
+        <p:nvPr/>
+      </p:nvGrpSpPr>
+      <p:grpSpPr>
+        <a:xfrm>
+          <a:off x="0" y="0"/>
+          <a:ext cx="0" cy="0"/>
+          <a:chOff x="0" y="0"/>
+          <a:chExt cx="0" cy="0"/>
+        </a:xfrm>
+      </p:grpSpPr>
+      <p:sp>
+        <p:nvSpPr>
+          <p:cNvPr id="2" name="Platshållare för bildobjekt 1"/>
+          <p:cNvSpPr>
+            <a:spLocks noGrp="1" noRot="1" noChangeAspect="1"/>
+          </p:cNvSpPr>
+          <p:nvPr>
+            <p:ph type="sldImg"/>
+          </p:nvPr>
+        </p:nvSpPr>
+        <p:spPr/>
+      </p:sp>
+      <p:sp>
+        <p:nvSpPr>
+          <p:cNvPr id="3" name="Platshållare för anteckningar 2"/>
+          <p:cNvSpPr>
+            <a:spLocks noGrp="1"/>
+          </p:cNvSpPr>
+          <p:nvPr>
+            <p:ph type="body" idx="1"/>
+          </p:nvPr>
+        </p:nvSpPr>
+        <p:spPr/>
+        <p:txBody>
+          <a:bodyPr/>
+          <a:lstStyle/>
+          <a:p>
+            <a:endParaRPr lang="sv-SE"/>
+          </a:p>
+        </p:txBody>
+      </p:sp>
+      <p:sp>
+        <p:nvSpPr>
+          <p:cNvPr id="4" name="Platshållare för bildnummer 3"/>
+          <p:cNvSpPr>
+            <a:spLocks noGrp="1"/>
+          </p:cNvSpPr>
+          <p:nvPr>
+            <p:ph type="sldNum" sz="quarter" idx="5"/>
+          </p:nvPr>
+        </p:nvSpPr>
+        <p:spPr/>
+        <p:txBody>
+          <a:bodyPr/>
+          <a:lstStyle/>
+          <a:p>
+            <a:fld id="{E4F6468E-0EE7-44F7-BA89-1EAC8EE30427}" type="slidenum">
+              <a:rPr lang="sv-SE" smtClean="0"/>
               <a:t>15</a:t>
+            </a:fld>
+            <a:endParaRPr lang="sv-SE"/>
+          </a:p>
+        </p:txBody>
+      </p:sp>
+    </p:spTree>
+    <p:extLst>
+      <p:ext uri="{BB962C8B-B14F-4D97-AF65-F5344CB8AC3E}">
+        <p14:creationId xmlns:p14="http://schemas.microsoft.com/office/powerpoint/2010/main" val="299412045"/>
+      </p:ext>
+    </p:extLst>
+  </p:cSld>
+  <p:clrMapOvr>
+    <a:masterClrMapping/>
+  </p:clrMapOvr>
+</p:notes>
+</file>
+
+<file path=ppt/notesSlides/notesSlide16.xml><?xml version="1.0" encoding="utf-8"?>
+<p:notes xmlns:a="http://schemas.openxmlformats.org/drawingml/2006/main" xmlns:r="http://schemas.openxmlformats.org/officeDocument/2006/relationships" xmlns:p="http://schemas.openxmlformats.org/presentationml/2006/main">
+  <p:cSld>
+    <p:spTree>
+      <p:nvGrpSpPr>
+        <p:cNvPr id="1" name=""/>
+        <p:cNvGrpSpPr/>
+        <p:nvPr/>
+      </p:nvGrpSpPr>
+      <p:grpSpPr>
+        <a:xfrm>
+          <a:off x="0" y="0"/>
+          <a:ext cx="0" cy="0"/>
+          <a:chOff x="0" y="0"/>
+          <a:chExt cx="0" cy="0"/>
+        </a:xfrm>
+      </p:grpSpPr>
+      <p:sp>
+        <p:nvSpPr>
+          <p:cNvPr id="2" name="Platshållare för bildobjekt 1"/>
+          <p:cNvSpPr>
+            <a:spLocks noGrp="1" noRot="1" noChangeAspect="1"/>
+          </p:cNvSpPr>
+          <p:nvPr>
+            <p:ph type="sldImg"/>
+          </p:nvPr>
+        </p:nvSpPr>
+        <p:spPr/>
+      </p:sp>
+      <p:sp>
+        <p:nvSpPr>
+          <p:cNvPr id="3" name="Platshållare för anteckningar 2"/>
+          <p:cNvSpPr>
+            <a:spLocks noGrp="1"/>
+          </p:cNvSpPr>
+          <p:nvPr>
+            <p:ph type="body" idx="1"/>
+          </p:nvPr>
+        </p:nvSpPr>
+        <p:spPr/>
+        <p:txBody>
+          <a:bodyPr/>
+          <a:lstStyle/>
+          <a:p>
+            <a:endParaRPr lang="sv-SE"/>
+          </a:p>
+        </p:txBody>
+      </p:sp>
+      <p:sp>
+        <p:nvSpPr>
+          <p:cNvPr id="4" name="Platshållare för bildnummer 3"/>
+          <p:cNvSpPr>
+            <a:spLocks noGrp="1"/>
+          </p:cNvSpPr>
+          <p:nvPr>
+            <p:ph type="sldNum" sz="quarter" idx="5"/>
+          </p:nvPr>
+        </p:nvSpPr>
+        <p:spPr/>
+        <p:txBody>
+          <a:bodyPr/>
+          <a:lstStyle/>
+          <a:p>
+            <a:fld id="{E4F6468E-0EE7-44F7-BA89-1EAC8EE30427}" type="slidenum">
+              <a:rPr lang="sv-SE" smtClean="0"/>
+              <a:t>16</a:t>
             </a:fld>
             <a:endParaRPr lang="sv-SE"/>
           </a:p>
@@ -1048,7 +1217,7 @@
           <a:p>
             <a:fld id="{E4F6468E-0EE7-44F7-BA89-1EAC8EE30427}" type="slidenum">
               <a:rPr lang="sv-SE" smtClean="0"/>
-              <a:t>3</a:t>
+              <a:t>2</a:t>
             </a:fld>
             <a:endParaRPr lang="sv-SE"/>
           </a:p>
@@ -1057,7 +1226,7 @@
     </p:spTree>
     <p:extLst>
       <p:ext uri="{BB962C8B-B14F-4D97-AF65-F5344CB8AC3E}">
-        <p14:creationId xmlns:p14="http://schemas.microsoft.com/office/powerpoint/2010/main" val="3251776671"/>
+        <p14:creationId xmlns:p14="http://schemas.microsoft.com/office/powerpoint/2010/main" val="855329869"/>
       </p:ext>
     </p:extLst>
   </p:cSld>
@@ -1132,7 +1301,7 @@
           <a:p>
             <a:fld id="{E4F6468E-0EE7-44F7-BA89-1EAC8EE30427}" type="slidenum">
               <a:rPr lang="sv-SE" smtClean="0"/>
-              <a:t>4</a:t>
+              <a:t>3</a:t>
             </a:fld>
             <a:endParaRPr lang="sv-SE"/>
           </a:p>
@@ -1141,7 +1310,7 @@
     </p:spTree>
     <p:extLst>
       <p:ext uri="{BB962C8B-B14F-4D97-AF65-F5344CB8AC3E}">
-        <p14:creationId xmlns:p14="http://schemas.microsoft.com/office/powerpoint/2010/main" val="3681073324"/>
+        <p14:creationId xmlns:p14="http://schemas.microsoft.com/office/powerpoint/2010/main" val="3251776671"/>
       </p:ext>
     </p:extLst>
   </p:cSld>
@@ -1216,7 +1385,7 @@
           <a:p>
             <a:fld id="{E4F6468E-0EE7-44F7-BA89-1EAC8EE30427}" type="slidenum">
               <a:rPr lang="sv-SE" smtClean="0"/>
-              <a:t>5</a:t>
+              <a:t>4</a:t>
             </a:fld>
             <a:endParaRPr lang="sv-SE"/>
           </a:p>
@@ -1225,7 +1394,7 @@
     </p:spTree>
     <p:extLst>
       <p:ext uri="{BB962C8B-B14F-4D97-AF65-F5344CB8AC3E}">
-        <p14:creationId xmlns:p14="http://schemas.microsoft.com/office/powerpoint/2010/main" val="3963498128"/>
+        <p14:creationId xmlns:p14="http://schemas.microsoft.com/office/powerpoint/2010/main" val="3681073324"/>
       </p:ext>
     </p:extLst>
   </p:cSld>
@@ -1300,7 +1469,7 @@
           <a:p>
             <a:fld id="{E4F6468E-0EE7-44F7-BA89-1EAC8EE30427}" type="slidenum">
               <a:rPr lang="sv-SE" smtClean="0"/>
-              <a:t>6</a:t>
+              <a:t>5</a:t>
             </a:fld>
             <a:endParaRPr lang="sv-SE"/>
           </a:p>
@@ -1309,7 +1478,7 @@
     </p:spTree>
     <p:extLst>
       <p:ext uri="{BB962C8B-B14F-4D97-AF65-F5344CB8AC3E}">
-        <p14:creationId xmlns:p14="http://schemas.microsoft.com/office/powerpoint/2010/main" val="2122015956"/>
+        <p14:creationId xmlns:p14="http://schemas.microsoft.com/office/powerpoint/2010/main" val="3963498128"/>
       </p:ext>
     </p:extLst>
   </p:cSld>
@@ -1384,7 +1553,7 @@
           <a:p>
             <a:fld id="{E4F6468E-0EE7-44F7-BA89-1EAC8EE30427}" type="slidenum">
               <a:rPr lang="sv-SE" smtClean="0"/>
-              <a:t>7</a:t>
+              <a:t>6</a:t>
             </a:fld>
             <a:endParaRPr lang="sv-SE"/>
           </a:p>
@@ -1393,7 +1562,7 @@
     </p:spTree>
     <p:extLst>
       <p:ext uri="{BB962C8B-B14F-4D97-AF65-F5344CB8AC3E}">
-        <p14:creationId xmlns:p14="http://schemas.microsoft.com/office/powerpoint/2010/main" val="1690799661"/>
+        <p14:creationId xmlns:p14="http://schemas.microsoft.com/office/powerpoint/2010/main" val="883472086"/>
       </p:ext>
     </p:extLst>
   </p:cSld>
@@ -1468,7 +1637,7 @@
           <a:p>
             <a:fld id="{E4F6468E-0EE7-44F7-BA89-1EAC8EE30427}" type="slidenum">
               <a:rPr lang="sv-SE" smtClean="0"/>
-              <a:t>8</a:t>
+              <a:t>7</a:t>
             </a:fld>
             <a:endParaRPr lang="sv-SE"/>
           </a:p>
@@ -1477,7 +1646,7 @@
     </p:spTree>
     <p:extLst>
       <p:ext uri="{BB962C8B-B14F-4D97-AF65-F5344CB8AC3E}">
-        <p14:creationId xmlns:p14="http://schemas.microsoft.com/office/powerpoint/2010/main" val="3068997597"/>
+        <p14:creationId xmlns:p14="http://schemas.microsoft.com/office/powerpoint/2010/main" val="2122015956"/>
       </p:ext>
     </p:extLst>
   </p:cSld>
@@ -1552,7 +1721,7 @@
           <a:p>
             <a:fld id="{E4F6468E-0EE7-44F7-BA89-1EAC8EE30427}" type="slidenum">
               <a:rPr lang="sv-SE" smtClean="0"/>
-              <a:t>9</a:t>
+              <a:t>8</a:t>
             </a:fld>
             <a:endParaRPr lang="sv-SE"/>
           </a:p>
@@ -1561,7 +1730,7 @@
     </p:spTree>
     <p:extLst>
       <p:ext uri="{BB962C8B-B14F-4D97-AF65-F5344CB8AC3E}">
-        <p14:creationId xmlns:p14="http://schemas.microsoft.com/office/powerpoint/2010/main" val="2520659173"/>
+        <p14:creationId xmlns:p14="http://schemas.microsoft.com/office/powerpoint/2010/main" val="1690799661"/>
       </p:ext>
     </p:extLst>
   </p:cSld>
@@ -1636,7 +1805,7 @@
           <a:p>
             <a:fld id="{E4F6468E-0EE7-44F7-BA89-1EAC8EE30427}" type="slidenum">
               <a:rPr lang="sv-SE" smtClean="0"/>
-              <a:t>10</a:t>
+              <a:t>9</a:t>
             </a:fld>
             <a:endParaRPr lang="sv-SE"/>
           </a:p>
@@ -1645,7 +1814,7 @@
     </p:spTree>
     <p:extLst>
       <p:ext uri="{BB962C8B-B14F-4D97-AF65-F5344CB8AC3E}">
-        <p14:creationId xmlns:p14="http://schemas.microsoft.com/office/powerpoint/2010/main" val="2879162289"/>
+        <p14:creationId xmlns:p14="http://schemas.microsoft.com/office/powerpoint/2010/main" val="2520659173"/>
       </p:ext>
     </p:extLst>
   </p:cSld>
@@ -6983,7 +7152,7 @@
       </p:sp>
       <p:pic>
         <p:nvPicPr>
-          <p:cNvPr id="8" name="Picture 7"/>
+          <p:cNvPr id="5" name="Picture 4"/>
           <p:cNvPicPr>
             <a:picLocks noChangeAspect="1"/>
           </p:cNvPicPr>
@@ -6997,8 +7166,8 @@
         </p:blipFill>
         <p:spPr>
           <a:xfrm>
-            <a:off x="1896022" y="1264652"/>
-            <a:ext cx="7321926" cy="4781796"/>
+            <a:off x="1832771" y="1083335"/>
+            <a:ext cx="8533973" cy="5157973"/>
           </a:xfrm>
           <a:prstGeom prst="rect">
             <a:avLst/>
@@ -7069,6 +7238,228 @@
           <a:p>
             <a:r>
               <a:rPr lang="sv-SE" dirty="0" smtClean="0"/>
+              <a:t>Task 3 </a:t>
+            </a:r>
+            <a:r>
+              <a:rPr lang="en-SE" dirty="0" smtClean="0"/>
+              <a:t>–</a:t>
+            </a:r>
+            <a:r>
+              <a:rPr lang="sv-SE" dirty="0" smtClean="0"/>
+              <a:t> </a:t>
+            </a:r>
+            <a:r>
+              <a:rPr lang="sv-SE" dirty="0" err="1" smtClean="0"/>
+              <a:t>Functions</a:t>
+            </a:r>
+            <a:r>
+              <a:rPr lang="sv-SE" dirty="0" smtClean="0"/>
+              <a:t> - solution</a:t>
+            </a:r>
+            <a:endParaRPr lang="sv-SE" dirty="0"/>
+          </a:p>
+        </p:txBody>
+      </p:sp>
+      <p:sp>
+        <p:nvSpPr>
+          <p:cNvPr id="3" name="TextBox 2"/>
+          <p:cNvSpPr txBox="1"/>
+          <p:nvPr/>
+        </p:nvSpPr>
+        <p:spPr>
+          <a:xfrm>
+            <a:off x="1775637" y="2147777"/>
+            <a:ext cx="7899991" cy="3416320"/>
+          </a:xfrm>
+          <a:prstGeom prst="rect">
+            <a:avLst/>
+          </a:prstGeom>
+          <a:noFill/>
+        </p:spPr>
+        <p:txBody>
+          <a:bodyPr wrap="square" rtlCol="0">
+            <a:spAutoFit/>
+          </a:bodyPr>
+          <a:lstStyle/>
+          <a:p>
+            <a:r>
+              <a:rPr lang="en-US" dirty="0" err="1"/>
+              <a:t>def</a:t>
+            </a:r>
+            <a:r>
+              <a:rPr lang="en-US" dirty="0"/>
+              <a:t> </a:t>
+            </a:r>
+            <a:r>
+              <a:rPr lang="en-US" dirty="0" err="1"/>
+              <a:t>collatz</a:t>
+            </a:r>
+            <a:r>
+              <a:rPr lang="en-US" dirty="0"/>
+              <a:t>(number):</a:t>
+            </a:r>
+          </a:p>
+          <a:p>
+            <a:r>
+              <a:rPr lang="en-US" dirty="0"/>
+              <a:t>    if number % 2 == 0:</a:t>
+            </a:r>
+          </a:p>
+          <a:p>
+            <a:r>
+              <a:rPr lang="en-US" dirty="0"/>
+              <a:t>        print(number </a:t>
+            </a:r>
+            <a:r>
+              <a:rPr lang="en-US" dirty="0" smtClean="0"/>
+              <a:t>// </a:t>
+            </a:r>
+            <a:r>
+              <a:rPr lang="en-US" dirty="0"/>
+              <a:t>2)</a:t>
+            </a:r>
+          </a:p>
+          <a:p>
+            <a:r>
+              <a:rPr lang="en-US" dirty="0"/>
+              <a:t>        return number </a:t>
+            </a:r>
+            <a:r>
+              <a:rPr lang="en-US" dirty="0" smtClean="0"/>
+              <a:t>// </a:t>
+            </a:r>
+            <a:r>
+              <a:rPr lang="en-US" dirty="0"/>
+              <a:t>2</a:t>
+            </a:r>
+          </a:p>
+          <a:p>
+            <a:r>
+              <a:rPr lang="en-US" dirty="0"/>
+              <a:t>    else:</a:t>
+            </a:r>
+          </a:p>
+          <a:p>
+            <a:r>
+              <a:rPr lang="en-US" dirty="0"/>
+              <a:t>        print(number*3+1)</a:t>
+            </a:r>
+          </a:p>
+          <a:p>
+            <a:r>
+              <a:rPr lang="en-US" dirty="0"/>
+              <a:t>        return(number*3+1)</a:t>
+            </a:r>
+          </a:p>
+          <a:p>
+            <a:endParaRPr lang="en-US" dirty="0"/>
+          </a:p>
+          <a:p>
+            <a:r>
+              <a:rPr lang="en-US" dirty="0"/>
+              <a:t>print("input a number")</a:t>
+            </a:r>
+          </a:p>
+          <a:p>
+            <a:r>
+              <a:rPr lang="en-US" dirty="0"/>
+              <a:t>number = </a:t>
+            </a:r>
+            <a:r>
+              <a:rPr lang="en-US" dirty="0" err="1"/>
+              <a:t>int</a:t>
+            </a:r>
+            <a:r>
+              <a:rPr lang="en-US" dirty="0"/>
+              <a:t>(input())</a:t>
+            </a:r>
+          </a:p>
+          <a:p>
+            <a:r>
+              <a:rPr lang="en-US" dirty="0"/>
+              <a:t>while number != 1:</a:t>
+            </a:r>
+          </a:p>
+          <a:p>
+            <a:r>
+              <a:rPr lang="en-US" dirty="0"/>
+              <a:t>    number = </a:t>
+            </a:r>
+            <a:r>
+              <a:rPr lang="en-US" dirty="0" err="1"/>
+              <a:t>collatz</a:t>
+            </a:r>
+            <a:r>
+              <a:rPr lang="en-US" dirty="0"/>
+              <a:t>(number)</a:t>
+            </a:r>
+          </a:p>
+        </p:txBody>
+      </p:sp>
+    </p:spTree>
+    <p:extLst>
+      <p:ext uri="{BB962C8B-B14F-4D97-AF65-F5344CB8AC3E}">
+        <p14:creationId xmlns:p14="http://schemas.microsoft.com/office/powerpoint/2010/main" val="884553339"/>
+      </p:ext>
+    </p:extLst>
+  </p:cSld>
+  <p:clrMapOvr>
+    <a:masterClrMapping/>
+  </p:clrMapOvr>
+  <mc:AlternateContent xmlns:mc="http://schemas.openxmlformats.org/markup-compatibility/2006" xmlns:p14="http://schemas.microsoft.com/office/powerpoint/2010/main">
+    <mc:Choice Requires="p14">
+      <p:transition p14:dur="250">
+        <p:fade/>
+      </p:transition>
+    </mc:Choice>
+    <mc:Fallback xmlns="">
+      <p:transition>
+        <p:fade/>
+      </p:transition>
+    </mc:Fallback>
+  </mc:AlternateContent>
+</p:sld>
+</file>
+
+<file path=ppt/slides/slide16.xml><?xml version="1.0" encoding="utf-8"?>
+<p:sld xmlns:a="http://schemas.openxmlformats.org/drawingml/2006/main" xmlns:r="http://schemas.openxmlformats.org/officeDocument/2006/relationships" xmlns:p="http://schemas.openxmlformats.org/presentationml/2006/main">
+  <p:cSld>
+    <p:spTree>
+      <p:nvGrpSpPr>
+        <p:cNvPr id="1" name=""/>
+        <p:cNvGrpSpPr/>
+        <p:nvPr/>
+      </p:nvGrpSpPr>
+      <p:grpSpPr>
+        <a:xfrm>
+          <a:off x="0" y="0"/>
+          <a:ext cx="0" cy="0"/>
+          <a:chOff x="0" y="0"/>
+          <a:chExt cx="0" cy="0"/>
+        </a:xfrm>
+      </p:grpSpPr>
+      <p:sp>
+        <p:nvSpPr>
+          <p:cNvPr id="2" name="Rubrik 1"/>
+          <p:cNvSpPr>
+            <a:spLocks noGrp="1"/>
+          </p:cNvSpPr>
+          <p:nvPr>
+            <p:ph type="title"/>
+          </p:nvPr>
+        </p:nvSpPr>
+        <p:spPr>
+          <a:xfrm>
+            <a:off x="1257300" y="382385"/>
+            <a:ext cx="10127247" cy="786015"/>
+          </a:xfrm>
+        </p:spPr>
+        <p:txBody>
+          <a:bodyPr/>
+          <a:lstStyle/>
+          <a:p>
+            <a:r>
+              <a:rPr lang="sv-SE" dirty="0" smtClean="0"/>
               <a:t>Task 4 </a:t>
             </a:r>
             <a:r>
@@ -7641,6 +8032,13 @@
       </p:transition>
     </mc:Fallback>
   </mc:AlternateContent>
+  <p:timing>
+    <p:tnLst>
+      <p:par>
+        <p:cTn id="1" dur="indefinite" restart="never" nodeType="tmRoot"/>
+      </p:par>
+    </p:tnLst>
+  </p:timing>
 </p:sld>
 </file>
 
@@ -7741,6 +8139,13 @@
       </p:transition>
     </mc:Fallback>
   </mc:AlternateContent>
+  <p:timing>
+    <p:tnLst>
+      <p:par>
+        <p:cTn id="1" dur="indefinite" restart="never" nodeType="tmRoot"/>
+      </p:par>
+    </p:tnLst>
+  </p:timing>
 </p:sld>
 </file>
 
@@ -7787,7 +8192,15 @@
             </a:r>
             <a:r>
               <a:rPr lang="sv-SE" dirty="0" smtClean="0"/>
-              <a:t> v r</a:t>
+              <a:t> </a:t>
+            </a:r>
+            <a:r>
+              <a:rPr lang="sv-SE" dirty="0" smtClean="0"/>
+              <a:t>and </a:t>
+            </a:r>
+            <a:r>
+              <a:rPr lang="sv-SE" dirty="0" smtClean="0"/>
+              <a:t>r</a:t>
             </a:r>
             <a:endParaRPr lang="sv-SE" dirty="0"/>
           </a:p>
@@ -7802,7 +8215,7 @@
         <p:spPr>
           <a:xfrm>
             <a:off x="1240137" y="1609905"/>
-            <a:ext cx="10077719" cy="4616648"/>
+            <a:ext cx="10077719" cy="4924425"/>
           </a:xfrm>
           <a:prstGeom prst="rect">
             <a:avLst/>
@@ -7882,11 +8295,7 @@
             <a:pPr marL="279400" indent="-265113"/>
             <a:r>
               <a:rPr lang="sv-SE" sz="2000" dirty="0" smtClean="0"/>
-              <a:t>	Computer </a:t>
-            </a:r>
-            <a:r>
-              <a:rPr lang="sv-SE" sz="2000" dirty="0" smtClean="0"/>
-              <a:t>science/</a:t>
+              <a:t>	Computer science/</a:t>
             </a:r>
             <a:r>
               <a:rPr lang="sv-SE" sz="2000" dirty="0" err="1" smtClean="0"/>
@@ -7910,7 +8319,11 @@
             </a:r>
             <a:r>
               <a:rPr lang="sv-SE" sz="2000" dirty="0" smtClean="0"/>
-              <a:t> to be </a:t>
+              <a:t> to </a:t>
+            </a:r>
+            <a:r>
+              <a:rPr lang="sv-SE" sz="2000" dirty="0" smtClean="0"/>
+              <a:t>start as </a:t>
             </a:r>
             <a:r>
               <a:rPr lang="sv-SE" sz="2000" dirty="0" err="1" smtClean="0"/>
@@ -7954,12 +8367,31 @@
             </a:r>
             <a:r>
               <a:rPr lang="sv-SE" sz="2000" dirty="0" smtClean="0"/>
-              <a:t> to be R </a:t>
+              <a:t> to </a:t>
+            </a:r>
+            <a:r>
+              <a:rPr lang="sv-SE" sz="2000" dirty="0" smtClean="0"/>
+              <a:t>start as</a:t>
+            </a:r>
+            <a:r>
+              <a:rPr lang="sv-SE" sz="2000" dirty="0" smtClean="0"/>
+              <a:t> </a:t>
+            </a:r>
+            <a:r>
+              <a:rPr lang="sv-SE" sz="2000" dirty="0" smtClean="0"/>
+              <a:t>R </a:t>
             </a:r>
             <a:r>
               <a:rPr lang="sv-SE" sz="2000" dirty="0" err="1" smtClean="0"/>
               <a:t>users</a:t>
             </a:r>
+            <a:r>
+              <a:rPr lang="sv-SE" sz="2000" dirty="0" smtClean="0"/>
+              <a:t/>
+            </a:r>
+            <a:br>
+              <a:rPr lang="sv-SE" sz="2000" dirty="0" smtClean="0"/>
+            </a:br>
             <a:endParaRPr lang="sv-SE" sz="2000" dirty="0"/>
           </a:p>
           <a:p>
@@ -8145,7 +8577,6 @@
               <a:rPr lang="sv-SE" sz="2000" dirty="0" smtClean="0"/>
               <a:t>.  </a:t>
             </a:r>
-            <a:endParaRPr lang="sv-SE" sz="2000" dirty="0" smtClean="0"/>
           </a:p>
           <a:p>
             <a:r>
@@ -8162,11 +8593,7 @@
             </a:r>
             <a:r>
               <a:rPr lang="sv-SE" sz="2000" dirty="0" smtClean="0"/>
-              <a:t> </a:t>
-            </a:r>
-            <a:r>
-              <a:rPr lang="sv-SE" sz="2000" dirty="0" smtClean="0"/>
-              <a:t>in R </a:t>
+              <a:t> in R </a:t>
             </a:r>
             <a:r>
               <a:rPr lang="sv-SE" sz="2000" dirty="0" err="1" smtClean="0"/>
@@ -8383,6 +8810,13 @@
       </p:transition>
     </mc:Fallback>
   </mc:AlternateContent>
+  <p:timing>
+    <p:tnLst>
+      <p:par>
+        <p:cTn id="1" dur="indefinite" restart="never" nodeType="tmRoot"/>
+      </p:par>
+    </p:tnLst>
+  </p:timing>
 </p:sld>
 </file>
 
@@ -8742,7 +9176,7 @@
               <a:t>useful</a:t>
             </a:r>
             <a:r>
-              <a:rPr lang="sv-SE" sz="2000" smtClean="0"/>
+              <a:rPr lang="sv-SE" sz="2000" dirty="0" smtClean="0"/>
               <a:t>) </a:t>
             </a:r>
             <a:r>
@@ -8783,11 +9217,7 @@
             </a:r>
             <a:r>
               <a:rPr lang="sv-SE" sz="2000" dirty="0" smtClean="0"/>
-              <a:t> </a:t>
-            </a:r>
-            <a:r>
-              <a:rPr lang="sv-SE" sz="2000" dirty="0" smtClean="0"/>
-              <a:t>and </a:t>
+              <a:t> and </a:t>
             </a:r>
             <a:r>
               <a:rPr lang="sv-SE" sz="2000" dirty="0" err="1" smtClean="0"/>
@@ -8873,15 +9303,7 @@
           <a:p>
             <a:r>
               <a:rPr lang="sv-SE" dirty="0" err="1" smtClean="0"/>
-              <a:t>Further</a:t>
-            </a:r>
-            <a:r>
-              <a:rPr lang="sv-SE" dirty="0" smtClean="0"/>
-              <a:t> </a:t>
-            </a:r>
-            <a:r>
-              <a:rPr lang="sv-SE" dirty="0" err="1" smtClean="0"/>
-              <a:t>resources</a:t>
+              <a:t>Today</a:t>
             </a:r>
             <a:endParaRPr lang="sv-SE" dirty="0"/>
           </a:p>
@@ -8895,8 +9317,8 @@
         </p:nvSpPr>
         <p:spPr>
           <a:xfrm>
-            <a:off x="1240137" y="1765181"/>
-            <a:ext cx="10077719" cy="3754874"/>
+            <a:off x="1240137" y="2170622"/>
+            <a:ext cx="10077719" cy="1631216"/>
           </a:xfrm>
           <a:prstGeom prst="rect">
             <a:avLst/>
@@ -8921,88 +9343,36 @@
             </a:r>
             <a:r>
               <a:rPr lang="sv-SE" sz="2000" dirty="0" err="1" smtClean="0"/>
-              <a:t>Automate</a:t>
-            </a:r>
-            <a:r>
-              <a:rPr lang="sv-SE" sz="2000" dirty="0" smtClean="0"/>
-              <a:t> the Boring Stuff </a:t>
-            </a:r>
-            <a:r>
-              <a:rPr lang="en-SE" sz="2000" dirty="0" smtClean="0"/>
-              <a:t>–</a:t>
-            </a:r>
-            <a:r>
-              <a:rPr lang="sv-SE" sz="2000" dirty="0" smtClean="0"/>
-              <a:t> </a:t>
-            </a:r>
-            <a:r>
-              <a:rPr lang="sv-SE" sz="2000" dirty="0" err="1" smtClean="0"/>
-              <a:t>Introduction</a:t>
-            </a:r>
-            <a:r>
-              <a:rPr lang="sv-SE" sz="2000" dirty="0" smtClean="0"/>
-              <a:t> to </a:t>
-            </a:r>
-            <a:r>
-              <a:rPr lang="sv-SE" sz="2000" dirty="0" err="1" smtClean="0"/>
-              <a:t>Python</a:t>
-            </a:r>
-            <a:endParaRPr lang="sv-SE" sz="2000" dirty="0" smtClean="0"/>
-          </a:p>
-          <a:p>
-            <a:pPr marL="279400" indent="-265113"/>
-            <a:r>
-              <a:rPr lang="sv-SE" sz="2000" dirty="0"/>
-              <a:t>	</a:t>
-            </a:r>
-            <a:r>
-              <a:rPr lang="sv-SE" sz="2000" dirty="0" err="1" smtClean="0"/>
-              <a:t>I’ve</a:t>
-            </a:r>
-            <a:r>
-              <a:rPr lang="sv-SE" sz="2000" dirty="0" smtClean="0"/>
-              <a:t> </a:t>
-            </a:r>
-            <a:r>
-              <a:rPr lang="sv-SE" sz="2000" dirty="0" err="1" smtClean="0"/>
-              <a:t>used</a:t>
-            </a:r>
-            <a:r>
-              <a:rPr lang="sv-SE" sz="2000" dirty="0" smtClean="0"/>
-              <a:t> material from </a:t>
-            </a:r>
-            <a:r>
-              <a:rPr lang="sv-SE" sz="2000" dirty="0" err="1" smtClean="0"/>
-              <a:t>this</a:t>
-            </a:r>
-            <a:r>
-              <a:rPr lang="sv-SE" sz="2000" dirty="0" smtClean="0"/>
-              <a:t> </a:t>
-            </a:r>
-            <a:r>
-              <a:rPr lang="sv-SE" sz="2000" dirty="0" err="1" smtClean="0"/>
-              <a:t>book</a:t>
-            </a:r>
-            <a:r>
-              <a:rPr lang="sv-SE" sz="2000" dirty="0" smtClean="0"/>
-              <a:t> in </a:t>
-            </a:r>
-            <a:r>
-              <a:rPr lang="sv-SE" sz="2000" dirty="0" err="1" smtClean="0"/>
-              <a:t>this</a:t>
-            </a:r>
-            <a:r>
-              <a:rPr lang="sv-SE" sz="2000" dirty="0" smtClean="0"/>
-              <a:t> workshop</a:t>
-            </a:r>
-          </a:p>
-          <a:p>
-            <a:pPr marL="279400" indent="-265113"/>
-            <a:r>
-              <a:rPr lang="sv-SE" sz="2000" dirty="0"/>
-              <a:t>	https://automatetheboringstuff.com/#toc</a:t>
-            </a:r>
-            <a:endParaRPr lang="sv-SE" sz="2000" dirty="0" smtClean="0"/>
+              <a:t>Work</a:t>
+            </a:r>
+            <a:r>
+              <a:rPr lang="sv-SE" sz="2000" dirty="0" smtClean="0"/>
+              <a:t> </a:t>
+            </a:r>
+            <a:r>
+              <a:rPr lang="sv-SE" sz="2000" dirty="0" err="1" smtClean="0"/>
+              <a:t>through</a:t>
+            </a:r>
+            <a:r>
+              <a:rPr lang="sv-SE" sz="2000" dirty="0" smtClean="0"/>
+              <a:t> a series </a:t>
+            </a:r>
+            <a:r>
+              <a:rPr lang="sv-SE" sz="2000" dirty="0" err="1" smtClean="0"/>
+              <a:t>of</a:t>
+            </a:r>
+            <a:r>
+              <a:rPr lang="sv-SE" sz="2000" dirty="0" smtClean="0"/>
+              <a:t> </a:t>
+            </a:r>
+            <a:r>
+              <a:rPr lang="sv-SE" sz="2000" dirty="0" err="1" smtClean="0"/>
+              <a:t>python</a:t>
+            </a:r>
+            <a:r>
+              <a:rPr lang="sv-SE" sz="2000" dirty="0" smtClean="0"/>
+              <a:t> scripts</a:t>
+            </a:r>
           </a:p>
           <a:p>
             <a:pPr marL="279400" indent="-265113"/>
@@ -9026,67 +9396,79 @@
             </a:r>
             <a:r>
               <a:rPr lang="sv-SE" sz="2000" dirty="0" err="1" smtClean="0"/>
-              <a:t>Python</a:t>
-            </a:r>
-            <a:r>
-              <a:rPr lang="sv-SE" sz="2000" dirty="0" smtClean="0"/>
-              <a:t> for Data </a:t>
-            </a:r>
-            <a:r>
-              <a:rPr lang="sv-SE" sz="2000" dirty="0" err="1" smtClean="0"/>
-              <a:t>Analysis</a:t>
-            </a:r>
-            <a:r>
-              <a:rPr lang="sv-SE" sz="2000" dirty="0" smtClean="0"/>
-              <a:t> </a:t>
-            </a:r>
-            <a:r>
-              <a:rPr lang="en-SE" sz="2000" dirty="0" smtClean="0"/>
-              <a:t>–</a:t>
-            </a:r>
-            <a:r>
-              <a:rPr lang="sv-SE" sz="2000" dirty="0" smtClean="0"/>
-              <a:t> </a:t>
-            </a:r>
-            <a:r>
-              <a:rPr lang="sv-SE" sz="2000" dirty="0" err="1" smtClean="0"/>
-              <a:t>Introduction</a:t>
-            </a:r>
-            <a:r>
-              <a:rPr lang="sv-SE" sz="2000" dirty="0" smtClean="0"/>
-              <a:t> to data </a:t>
-            </a:r>
-            <a:r>
-              <a:rPr lang="sv-SE" sz="2000" dirty="0" err="1" smtClean="0"/>
-              <a:t>analysis</a:t>
-            </a:r>
-            <a:r>
-              <a:rPr lang="sv-SE" sz="2000" dirty="0" smtClean="0"/>
-              <a:t> </a:t>
-            </a:r>
-            <a:r>
-              <a:rPr lang="sv-SE" sz="2000" dirty="0" err="1" smtClean="0"/>
-              <a:t>with</a:t>
-            </a:r>
-            <a:r>
-              <a:rPr lang="sv-SE" sz="2000" dirty="0" smtClean="0"/>
-              <a:t> </a:t>
-            </a:r>
-            <a:r>
-              <a:rPr lang="sv-SE" sz="2000" dirty="0" err="1" smtClean="0"/>
-              <a:t>python</a:t>
-            </a:r>
-            <a:endParaRPr lang="sv-SE" sz="2000" dirty="0" smtClean="0"/>
-          </a:p>
-          <a:p>
-            <a:pPr marL="234950" lvl="0" indent="-220663"/>
-            <a:r>
-              <a:rPr lang="sv-SE" sz="2000" dirty="0" smtClean="0"/>
-              <a:t>	http</a:t>
-            </a:r>
-            <a:r>
-              <a:rPr lang="sv-SE" sz="2000" dirty="0"/>
-              <a:t>://bedford-computing.co.uk/learning/wp-content/uploads/2015/10/Python-for-Data-Analysis.pdf</a:t>
+              <a:t>I’ve</a:t>
+            </a:r>
+            <a:r>
+              <a:rPr lang="sv-SE" sz="2000" dirty="0" smtClean="0"/>
+              <a:t> </a:t>
+            </a:r>
+            <a:r>
+              <a:rPr lang="sv-SE" sz="2000" dirty="0" err="1" smtClean="0"/>
+              <a:t>uploaded</a:t>
+            </a:r>
+            <a:r>
+              <a:rPr lang="sv-SE" sz="2000" dirty="0" smtClean="0"/>
+              <a:t> </a:t>
+            </a:r>
+            <a:r>
+              <a:rPr lang="sv-SE" sz="2000" dirty="0" err="1" smtClean="0"/>
+              <a:t>them</a:t>
+            </a:r>
+            <a:r>
+              <a:rPr lang="sv-SE" sz="2000" dirty="0" smtClean="0"/>
+              <a:t> to my </a:t>
+            </a:r>
+            <a:r>
+              <a:rPr lang="sv-SE" sz="2000" dirty="0" err="1" smtClean="0"/>
+              <a:t>github</a:t>
+            </a:r>
+            <a:r>
+              <a:rPr lang="sv-SE" sz="2000" dirty="0" smtClean="0"/>
+              <a:t>, </a:t>
+            </a:r>
+            <a:r>
+              <a:rPr lang="sv-SE" sz="2000" dirty="0" err="1" smtClean="0"/>
+              <a:t>you</a:t>
+            </a:r>
+            <a:r>
+              <a:rPr lang="sv-SE" sz="2000" dirty="0" smtClean="0"/>
+              <a:t> </a:t>
+            </a:r>
+            <a:r>
+              <a:rPr lang="sv-SE" sz="2000" dirty="0" err="1" smtClean="0"/>
+              <a:t>can</a:t>
+            </a:r>
+            <a:r>
+              <a:rPr lang="sv-SE" sz="2000" dirty="0" smtClean="0"/>
+              <a:t> </a:t>
+            </a:r>
+            <a:r>
+              <a:rPr lang="sv-SE" sz="2000" dirty="0" err="1" smtClean="0"/>
+              <a:t>download</a:t>
+            </a:r>
+            <a:r>
+              <a:rPr lang="sv-SE" sz="2000" dirty="0" smtClean="0"/>
+              <a:t> from </a:t>
+            </a:r>
+            <a:r>
+              <a:rPr lang="sv-SE" sz="2000" dirty="0" err="1" smtClean="0"/>
+              <a:t>there</a:t>
+            </a:r>
+            <a:r>
+              <a:rPr lang="sv-SE" sz="2000" dirty="0" smtClean="0"/>
+              <a:t> and </a:t>
+            </a:r>
+            <a:r>
+              <a:rPr lang="sv-SE" sz="2000" dirty="0" err="1" smtClean="0"/>
+              <a:t>work</a:t>
+            </a:r>
+            <a:r>
+              <a:rPr lang="sv-SE" sz="2000" dirty="0" smtClean="0"/>
+              <a:t> </a:t>
+            </a:r>
+            <a:r>
+              <a:rPr lang="sv-SE" sz="2000" dirty="0" err="1" smtClean="0"/>
+              <a:t>along</a:t>
             </a:r>
             <a:endParaRPr lang="sv-SE" sz="2000" dirty="0" smtClean="0"/>
           </a:p>
@@ -9096,7 +9478,7 @@
           </a:p>
           <a:p>
             <a:r>
-              <a:rPr lang="sv-SE" sz="2000" dirty="0" err="1" smtClean="0">
+              <a:rPr lang="sv-SE" sz="2000" dirty="0" smtClean="0">
                 <a:solidFill>
                   <a:schemeClr val="accent1"/>
                 </a:solidFill>
@@ -9105,142 +9487,16 @@
               <a:t>z</a:t>
             </a:r>
             <a:r>
-              <a:rPr lang="sv-SE" sz="2000" dirty="0" err="1" smtClean="0"/>
-              <a:t>Python</a:t>
-            </a:r>
-            <a:r>
-              <a:rPr lang="sv-SE" sz="2000" dirty="0" smtClean="0"/>
-              <a:t> Data Science </a:t>
-            </a:r>
-            <a:r>
-              <a:rPr lang="sv-SE" sz="2000" dirty="0" err="1" smtClean="0"/>
-              <a:t>Handbook</a:t>
-            </a:r>
-            <a:r>
-              <a:rPr lang="sv-SE" sz="2000" dirty="0" smtClean="0"/>
-              <a:t> </a:t>
-            </a:r>
-            <a:r>
-              <a:rPr lang="en-SE" sz="2000" dirty="0" smtClean="0"/>
-              <a:t>–</a:t>
-            </a:r>
-            <a:r>
-              <a:rPr lang="sv-SE" sz="2000" dirty="0" smtClean="0"/>
-              <a:t> </a:t>
-            </a:r>
-            <a:r>
-              <a:rPr lang="sv-SE" sz="2000" dirty="0" err="1" smtClean="0"/>
-              <a:t>slightly</a:t>
-            </a:r>
-            <a:r>
-              <a:rPr lang="sv-SE" sz="2000" dirty="0" smtClean="0"/>
-              <a:t> </a:t>
-            </a:r>
-            <a:r>
-              <a:rPr lang="sv-SE" sz="2000" dirty="0" err="1" smtClean="0"/>
-              <a:t>more</a:t>
-            </a:r>
-            <a:r>
-              <a:rPr lang="sv-SE" sz="2000" dirty="0" smtClean="0"/>
-              <a:t> </a:t>
-            </a:r>
-            <a:r>
-              <a:rPr lang="sv-SE" sz="2000" dirty="0" err="1" smtClean="0"/>
-              <a:t>advanced</a:t>
-            </a:r>
-            <a:r>
-              <a:rPr lang="sv-SE" sz="2000" dirty="0" smtClean="0"/>
-              <a:t> </a:t>
-            </a:r>
-            <a:r>
-              <a:rPr lang="sv-SE" sz="2000" dirty="0" err="1" smtClean="0"/>
-              <a:t>introduction</a:t>
-            </a:r>
-            <a:r>
-              <a:rPr lang="sv-SE" sz="2000" dirty="0" smtClean="0"/>
-              <a:t> to data </a:t>
-            </a:r>
-            <a:r>
-              <a:rPr lang="sv-SE" sz="2000" dirty="0" err="1" smtClean="0"/>
-              <a:t>analysis</a:t>
-            </a:r>
-            <a:endParaRPr lang="sv-SE" sz="2000" dirty="0" smtClean="0"/>
-          </a:p>
-          <a:p>
-            <a:r>
-              <a:rPr lang="sv-SE" sz="2000" dirty="0" smtClean="0"/>
-              <a:t>    https</a:t>
+              <a:rPr lang="sv-SE" sz="2000" dirty="0" smtClean="0"/>
+              <a:t>https</a:t>
             </a:r>
             <a:r>
               <a:rPr lang="sv-SE" sz="2000" dirty="0"/>
-              <a:t>://jakevdp.github.io/PythonDataScienceHandbook/</a:t>
-            </a:r>
-          </a:p>
-          <a:p>
-            <a:pPr algn="just"/>
-            <a:endParaRPr lang="sv-SE" dirty="0" smtClean="0"/>
-          </a:p>
-          <a:p>
-            <a:r>
-              <a:rPr lang="sv-SE" sz="2000" dirty="0" err="1" smtClean="0">
-                <a:solidFill>
-                  <a:schemeClr val="accent1"/>
-                </a:solidFill>
-                <a:latin typeface="Wingdings 3" panose="05040102010807070707" pitchFamily="18" charset="2"/>
-              </a:rPr>
-              <a:t>z</a:t>
-            </a:r>
-            <a:r>
-              <a:rPr lang="sv-SE" sz="2000" dirty="0" err="1" smtClean="0"/>
-              <a:t>Literally</a:t>
-            </a:r>
-            <a:r>
-              <a:rPr lang="sv-SE" sz="2000" dirty="0" smtClean="0"/>
-              <a:t> </a:t>
-            </a:r>
-            <a:r>
-              <a:rPr lang="sv-SE" sz="2000" dirty="0" err="1" smtClean="0"/>
-              <a:t>thousands</a:t>
-            </a:r>
-            <a:r>
-              <a:rPr lang="sv-SE" sz="2000" dirty="0" smtClean="0"/>
-              <a:t> </a:t>
-            </a:r>
-            <a:r>
-              <a:rPr lang="sv-SE" sz="2000" dirty="0" err="1" smtClean="0"/>
-              <a:t>of</a:t>
-            </a:r>
-            <a:r>
-              <a:rPr lang="sv-SE" sz="2000" dirty="0" smtClean="0"/>
-              <a:t> </a:t>
-            </a:r>
-            <a:r>
-              <a:rPr lang="sv-SE" sz="2000" dirty="0" err="1" smtClean="0"/>
-              <a:t>tutorials</a:t>
-            </a:r>
-            <a:r>
-              <a:rPr lang="sv-SE" sz="2000" dirty="0" smtClean="0"/>
-              <a:t> online, </a:t>
-            </a:r>
-            <a:r>
-              <a:rPr lang="sv-SE" sz="2000" dirty="0" err="1" smtClean="0"/>
-              <a:t>google</a:t>
-            </a:r>
-            <a:r>
-              <a:rPr lang="sv-SE" sz="2000" dirty="0" smtClean="0"/>
-              <a:t> is </a:t>
-            </a:r>
-            <a:r>
-              <a:rPr lang="sv-SE" sz="2000" dirty="0" err="1" smtClean="0"/>
-              <a:t>your</a:t>
-            </a:r>
-            <a:r>
-              <a:rPr lang="sv-SE" sz="2000" dirty="0" smtClean="0"/>
-              <a:t> </a:t>
-            </a:r>
-            <a:r>
-              <a:rPr lang="sv-SE" sz="2000" dirty="0" err="1" smtClean="0"/>
-              <a:t>friend</a:t>
+              <a:t>://</a:t>
+            </a:r>
+            <a:r>
+              <a:rPr lang="sv-SE" sz="2000" dirty="0" smtClean="0"/>
+              <a:t>github.com/darrelrobinson/Intro-to-Python</a:t>
             </a:r>
             <a:endParaRPr lang="sv-SE" dirty="0"/>
           </a:p>
@@ -9249,7 +9505,7 @@
     </p:spTree>
     <p:extLst>
       <p:ext uri="{BB962C8B-B14F-4D97-AF65-F5344CB8AC3E}">
-        <p14:creationId xmlns:p14="http://schemas.microsoft.com/office/powerpoint/2010/main" val="460344901"/>
+        <p14:creationId xmlns:p14="http://schemas.microsoft.com/office/powerpoint/2010/main" val="1112414442"/>
       </p:ext>
     </p:extLst>
   </p:cSld>
@@ -9309,8 +9565,16 @@
           <a:lstStyle/>
           <a:p>
             <a:r>
+              <a:rPr lang="sv-SE" dirty="0" err="1" smtClean="0"/>
+              <a:t>Further</a:t>
+            </a:r>
+            <a:r>
               <a:rPr lang="sv-SE" dirty="0" smtClean="0"/>
-              <a:t>Resources for R</a:t>
+              <a:t> </a:t>
+            </a:r>
+            <a:r>
+              <a:rPr lang="sv-SE" dirty="0" err="1" smtClean="0"/>
+              <a:t>resources</a:t>
             </a:r>
             <a:endParaRPr lang="sv-SE" dirty="0"/>
           </a:p>
@@ -9325,7 +9589,7 @@
         <p:spPr>
           <a:xfrm>
             <a:off x="1240137" y="1765181"/>
-            <a:ext cx="10077719" cy="3170099"/>
+            <a:ext cx="10077719" cy="4401205"/>
           </a:xfrm>
           <a:prstGeom prst="rect">
             <a:avLst/>
@@ -9350,15 +9614,11 @@
             </a:r>
             <a:r>
               <a:rPr lang="sv-SE" sz="2000" dirty="0" err="1" smtClean="0"/>
-              <a:t>R</a:t>
-            </a:r>
-            <a:r>
-              <a:rPr lang="sv-SE" sz="2000" dirty="0" smtClean="0"/>
-              <a:t> for </a:t>
-            </a:r>
-            <a:r>
-              <a:rPr lang="sv-SE" sz="2000" dirty="0"/>
-              <a:t>Data Science </a:t>
+              <a:t>Automate</a:t>
+            </a:r>
+            <a:r>
+              <a:rPr lang="sv-SE" sz="2000" dirty="0" smtClean="0"/>
+              <a:t> the Boring Stuff </a:t>
             </a:r>
             <a:r>
               <a:rPr lang="en-SE" sz="2000" dirty="0" smtClean="0"/>
@@ -9368,61 +9628,202 @@
               <a:rPr lang="sv-SE" sz="2000" dirty="0" smtClean="0"/>
               <a:t> </a:t>
             </a:r>
+            <a:r>
+              <a:rPr lang="sv-SE" sz="2000" dirty="0" err="1" smtClean="0"/>
+              <a:t>Introduction</a:t>
+            </a:r>
+            <a:r>
+              <a:rPr lang="sv-SE" sz="2000" dirty="0" smtClean="0"/>
+              <a:t> to </a:t>
+            </a:r>
+            <a:r>
+              <a:rPr lang="sv-SE" sz="2000" dirty="0" err="1" smtClean="0"/>
+              <a:t>Python</a:t>
+            </a:r>
+            <a:r>
+              <a:rPr lang="sv-SE" sz="2000" dirty="0" smtClean="0"/>
+              <a:t>:</a:t>
+            </a:r>
+            <a:endParaRPr lang="sv-SE" sz="2000" dirty="0" smtClean="0"/>
+          </a:p>
+          <a:p>
+            <a:pPr marL="279400" indent="-265113"/>
+            <a:r>
+              <a:rPr lang="sv-SE" sz="2000" dirty="0"/>
+              <a:t>	</a:t>
+            </a:r>
+            <a:r>
+              <a:rPr lang="sv-SE" sz="2000" dirty="0" err="1" smtClean="0"/>
+              <a:t>I’ve</a:t>
+            </a:r>
+            <a:r>
+              <a:rPr lang="sv-SE" sz="2000" dirty="0" smtClean="0"/>
+              <a:t> </a:t>
+            </a:r>
+            <a:r>
+              <a:rPr lang="sv-SE" sz="2000" dirty="0" err="1" smtClean="0"/>
+              <a:t>used</a:t>
+            </a:r>
+            <a:r>
+              <a:rPr lang="sv-SE" sz="2000" dirty="0" smtClean="0"/>
+              <a:t> material from </a:t>
+            </a:r>
+            <a:r>
+              <a:rPr lang="sv-SE" sz="2000" dirty="0" err="1" smtClean="0"/>
+              <a:t>this</a:t>
+            </a:r>
+            <a:r>
+              <a:rPr lang="sv-SE" sz="2000" dirty="0" smtClean="0"/>
+              <a:t> </a:t>
+            </a:r>
+            <a:r>
+              <a:rPr lang="sv-SE" sz="2000" dirty="0" err="1" smtClean="0"/>
+              <a:t>book</a:t>
+            </a:r>
+            <a:r>
+              <a:rPr lang="sv-SE" sz="2000" dirty="0" smtClean="0"/>
+              <a:t> in </a:t>
+            </a:r>
+            <a:r>
+              <a:rPr lang="sv-SE" sz="2000" dirty="0" err="1" smtClean="0"/>
+              <a:t>this</a:t>
+            </a:r>
+            <a:r>
+              <a:rPr lang="sv-SE" sz="2000" dirty="0" smtClean="0"/>
+              <a:t> workshop</a:t>
+            </a:r>
+          </a:p>
+          <a:p>
+            <a:pPr marL="279400" indent="-265113"/>
+            <a:r>
+              <a:rPr lang="sv-SE" sz="2000" dirty="0"/>
+              <a:t>	https://automatetheboringstuff.com/#toc</a:t>
+            </a:r>
+            <a:endParaRPr lang="sv-SE" sz="2000" dirty="0" smtClean="0"/>
+          </a:p>
+          <a:p>
+            <a:pPr marL="279400" indent="-265113"/>
+            <a:endParaRPr lang="sv-SE" sz="2000" dirty="0" smtClean="0">
+              <a:solidFill>
+                <a:schemeClr val="accent1"/>
+              </a:solidFill>
+              <a:latin typeface="Wingdings 3" panose="05040102010807070707" pitchFamily="18" charset="2"/>
+            </a:endParaRPr>
+          </a:p>
+          <a:p>
+            <a:pPr marL="234950" lvl="0" indent="-220663"/>
+            <a:r>
+              <a:rPr lang="sv-SE" sz="2000" dirty="0" err="1" smtClean="0">
+                <a:solidFill>
+                  <a:schemeClr val="accent1"/>
+                </a:solidFill>
+                <a:latin typeface="Wingdings 3" panose="05040102010807070707" pitchFamily="18" charset="2"/>
+              </a:rPr>
+              <a:t>z</a:t>
+            </a:r>
+            <a:r>
+              <a:rPr lang="sv-SE" sz="2000" dirty="0" err="1" smtClean="0"/>
+              <a:t>Whirlwind</a:t>
+            </a:r>
+            <a:r>
+              <a:rPr lang="sv-SE" sz="2000" dirty="0" smtClean="0"/>
+              <a:t> Tour </a:t>
+            </a:r>
+            <a:r>
+              <a:rPr lang="sv-SE" sz="2000" dirty="0" err="1" smtClean="0"/>
+              <a:t>of</a:t>
+            </a:r>
+            <a:r>
+              <a:rPr lang="sv-SE" sz="2000" dirty="0" smtClean="0"/>
+              <a:t> </a:t>
+            </a:r>
+            <a:r>
+              <a:rPr lang="sv-SE" sz="2000" dirty="0" err="1" smtClean="0"/>
+              <a:t>Python</a:t>
+            </a:r>
+            <a:r>
+              <a:rPr lang="sv-SE" sz="2000" dirty="0" smtClean="0"/>
+              <a:t> </a:t>
+            </a:r>
+            <a:r>
+              <a:rPr lang="en-SE" sz="2000" dirty="0" smtClean="0"/>
+              <a:t>–</a:t>
+            </a:r>
+            <a:r>
+              <a:rPr lang="sv-SE" sz="2000" dirty="0" smtClean="0"/>
+              <a:t> </a:t>
+            </a:r>
+            <a:r>
+              <a:rPr lang="sv-SE" sz="2000" dirty="0" err="1"/>
+              <a:t>Introduction</a:t>
+            </a:r>
+            <a:r>
+              <a:rPr lang="sv-SE" sz="2000" dirty="0"/>
+              <a:t> to </a:t>
+            </a:r>
+            <a:r>
+              <a:rPr lang="sv-SE" sz="2000" dirty="0" err="1" smtClean="0"/>
+              <a:t>python</a:t>
+            </a:r>
+            <a:r>
+              <a:rPr lang="sv-SE" sz="2000" dirty="0" smtClean="0"/>
+              <a:t> for </a:t>
+            </a:r>
+            <a:r>
+              <a:rPr lang="sv-SE" sz="2000" dirty="0" err="1" smtClean="0"/>
+              <a:t>those</a:t>
+            </a:r>
+            <a:r>
+              <a:rPr lang="sv-SE" sz="2000" dirty="0" smtClean="0"/>
+              <a:t> </a:t>
+            </a:r>
+            <a:r>
+              <a:rPr lang="sv-SE" sz="2000" dirty="0" err="1" smtClean="0"/>
+              <a:t>with</a:t>
+            </a:r>
+            <a:r>
+              <a:rPr lang="sv-SE" sz="2000" dirty="0" smtClean="0"/>
+              <a:t> </a:t>
+            </a:r>
+            <a:r>
+              <a:rPr lang="sv-SE" sz="2000" dirty="0" err="1" smtClean="0"/>
+              <a:t>programming</a:t>
+            </a:r>
+            <a:r>
+              <a:rPr lang="sv-SE" sz="2000" dirty="0" smtClean="0"/>
+              <a:t> </a:t>
+            </a:r>
+            <a:r>
+              <a:rPr lang="sv-SE" sz="2000" dirty="0" err="1" smtClean="0"/>
+              <a:t>experience</a:t>
+            </a:r>
+            <a:r>
+              <a:rPr lang="sv-SE" sz="2000" dirty="0" smtClean="0"/>
+              <a:t> in </a:t>
+            </a:r>
+            <a:r>
+              <a:rPr lang="sv-SE" sz="2000" dirty="0" err="1" smtClean="0"/>
+              <a:t>another</a:t>
+            </a:r>
+            <a:r>
+              <a:rPr lang="sv-SE" sz="2000" dirty="0" smtClean="0"/>
+              <a:t> </a:t>
+            </a:r>
+            <a:r>
+              <a:rPr lang="sv-SE" sz="2000" dirty="0" err="1" smtClean="0"/>
+              <a:t>language</a:t>
+            </a:r>
+            <a:r>
+              <a:rPr lang="sv-SE" sz="2000" dirty="0"/>
+              <a:t>:</a:t>
+            </a:r>
             <a:br>
-              <a:rPr lang="sv-SE" sz="2000" dirty="0" smtClean="0"/>
+              <a:rPr lang="sv-SE" sz="2000" dirty="0"/>
             </a:br>
             <a:r>
-              <a:rPr lang="sv-SE" sz="2000" dirty="0" smtClean="0"/>
-              <a:t>https</a:t>
-            </a:r>
-            <a:r>
               <a:rPr lang="sv-SE" sz="2000" dirty="0"/>
-              <a:t>://r4ds.had.co.nz</a:t>
-            </a:r>
-            <a:r>
-              <a:rPr lang="sv-SE" sz="2000" dirty="0" smtClean="0"/>
-              <a:t>/</a:t>
-            </a:r>
-            <a:br>
-              <a:rPr lang="sv-SE" sz="2000" dirty="0" smtClean="0"/>
-            </a:br>
-            <a:r>
-              <a:rPr lang="sv-SE" sz="2000" dirty="0" err="1"/>
-              <a:t>P</a:t>
-            </a:r>
-            <a:r>
-              <a:rPr lang="sv-SE" sz="2000" dirty="0" err="1" smtClean="0"/>
-              <a:t>robably</a:t>
-            </a:r>
-            <a:r>
-              <a:rPr lang="sv-SE" sz="2000" dirty="0" smtClean="0"/>
-              <a:t> the best </a:t>
-            </a:r>
-            <a:r>
-              <a:rPr lang="sv-SE" sz="2000" dirty="0" err="1" smtClean="0"/>
-              <a:t>book</a:t>
-            </a:r>
-            <a:r>
-              <a:rPr lang="sv-SE" sz="2000" dirty="0" smtClean="0"/>
-              <a:t> to </a:t>
-            </a:r>
-            <a:r>
-              <a:rPr lang="sv-SE" sz="2000" dirty="0" err="1" smtClean="0"/>
-              <a:t>learn</a:t>
-            </a:r>
-            <a:r>
-              <a:rPr lang="sv-SE" sz="2000" dirty="0" smtClean="0"/>
-              <a:t> </a:t>
-            </a:r>
-            <a:r>
-              <a:rPr lang="sv-SE" sz="2000" dirty="0" err="1" smtClean="0"/>
-              <a:t>intermediate</a:t>
-            </a:r>
-            <a:r>
-              <a:rPr lang="sv-SE" sz="2000" dirty="0" smtClean="0"/>
-              <a:t> R</a:t>
-            </a:r>
-            <a:endParaRPr lang="sv-SE" sz="2000" dirty="0" smtClean="0"/>
+              <a:t>https://jakevdp.github.io/WhirlwindTourOfPython/</a:t>
+            </a:r>
           </a:p>
           <a:p>
             <a:pPr marL="279400" indent="-265113"/>
@@ -9446,11 +9847,19 @@
             </a:r>
             <a:r>
               <a:rPr lang="sv-SE" sz="2000" dirty="0" err="1" smtClean="0"/>
-              <a:t>Stat</a:t>
-            </a:r>
-            <a:r>
-              <a:rPr lang="sv-SE" sz="2000" dirty="0" smtClean="0"/>
-              <a:t> 545 </a:t>
+              <a:t>Python</a:t>
+            </a:r>
+            <a:r>
+              <a:rPr lang="sv-SE" sz="2000" dirty="0" smtClean="0"/>
+              <a:t> for Data </a:t>
+            </a:r>
+            <a:r>
+              <a:rPr lang="sv-SE" sz="2000" dirty="0" err="1" smtClean="0"/>
+              <a:t>Analysis</a:t>
+            </a:r>
+            <a:r>
+              <a:rPr lang="sv-SE" sz="2000" dirty="0" smtClean="0"/>
+              <a:t> </a:t>
             </a:r>
             <a:r>
               <a:rPr lang="en-SE" sz="2000" dirty="0" smtClean="0"/>
@@ -9462,54 +9871,47 @@
             </a:r>
             <a:r>
               <a:rPr lang="sv-SE" sz="2000" dirty="0" err="1" smtClean="0"/>
-              <a:t>sligtly</a:t>
-            </a:r>
-            <a:r>
-              <a:rPr lang="sv-SE" sz="2000" dirty="0" smtClean="0"/>
-              <a:t> </a:t>
-            </a:r>
-            <a:r>
-              <a:rPr lang="sv-SE" sz="2000" dirty="0" err="1" smtClean="0"/>
-              <a:t>more</a:t>
-            </a:r>
-            <a:r>
-              <a:rPr lang="sv-SE" sz="2000" dirty="0" smtClean="0"/>
-              <a:t> </a:t>
-            </a:r>
-            <a:r>
-              <a:rPr lang="sv-SE" sz="2000" dirty="0" err="1" smtClean="0"/>
-              <a:t>advanced</a:t>
-            </a:r>
-            <a:r>
-              <a:rPr lang="sv-SE" sz="2000" dirty="0" smtClean="0"/>
-              <a:t> </a:t>
-            </a:r>
-            <a:r>
-              <a:rPr lang="sv-SE" sz="2000" dirty="0" err="1" smtClean="0"/>
-              <a:t>than</a:t>
-            </a:r>
-            <a:r>
-              <a:rPr lang="sv-SE" sz="2000" dirty="0" smtClean="0"/>
-              <a:t> R4DS </a:t>
-            </a:r>
-            <a:r>
-              <a:rPr lang="en-SE" sz="2000" dirty="0" smtClean="0"/>
-              <a:t>–</a:t>
-            </a:r>
-            <a:r>
-              <a:rPr lang="sv-SE" sz="2000" dirty="0" smtClean="0"/>
-              <a:t> </a:t>
-            </a:r>
-            <a:br>
-              <a:rPr lang="sv-SE" sz="2000" dirty="0" smtClean="0"/>
-            </a:br>
-            <a:r>
-              <a:rPr lang="sv-SE" sz="2000" dirty="0" smtClean="0"/>
-              <a:t>https</a:t>
+              <a:t>Introduction</a:t>
+            </a:r>
+            <a:r>
+              <a:rPr lang="sv-SE" sz="2000" dirty="0" smtClean="0"/>
+              <a:t> to data </a:t>
+            </a:r>
+            <a:r>
+              <a:rPr lang="sv-SE" sz="2000" dirty="0" err="1" smtClean="0"/>
+              <a:t>analysis</a:t>
+            </a:r>
+            <a:r>
+              <a:rPr lang="sv-SE" sz="2000" dirty="0" smtClean="0"/>
+              <a:t> </a:t>
+            </a:r>
+            <a:r>
+              <a:rPr lang="sv-SE" sz="2000" dirty="0" err="1" smtClean="0"/>
+              <a:t>with</a:t>
+            </a:r>
+            <a:r>
+              <a:rPr lang="sv-SE" sz="2000" dirty="0" smtClean="0"/>
+              <a:t> </a:t>
+            </a:r>
+            <a:r>
+              <a:rPr lang="sv-SE" sz="2000" dirty="0" err="1" smtClean="0"/>
+              <a:t>python</a:t>
+            </a:r>
+            <a:r>
+              <a:rPr lang="sv-SE" sz="2000" dirty="0" smtClean="0"/>
+              <a:t>:</a:t>
+            </a:r>
+            <a:endParaRPr lang="sv-SE" sz="2000" dirty="0" smtClean="0"/>
+          </a:p>
+          <a:p>
+            <a:pPr marL="234950" lvl="0" indent="-220663"/>
+            <a:r>
+              <a:rPr lang="sv-SE" sz="2000" dirty="0" smtClean="0"/>
+              <a:t>	http</a:t>
             </a:r>
             <a:r>
               <a:rPr lang="sv-SE" sz="2000" dirty="0"/>
-              <a:t>://stat545.com/</a:t>
+              <a:t>://bedford-computing.co.uk/learning/wp-content/uploads/2015/10/Python-for-Data-Analysis.pdf</a:t>
             </a:r>
             <a:endParaRPr lang="sv-SE" sz="2000" dirty="0" smtClean="0"/>
           </a:p>
@@ -9518,7 +9920,6 @@
             <a:endParaRPr lang="sv-SE" sz="2000" dirty="0"/>
           </a:p>
           <a:p>
-            <a:pPr marL="234950" indent="-220663"/>
             <a:r>
               <a:rPr lang="sv-SE" sz="2000" dirty="0" err="1" smtClean="0">
                 <a:solidFill>
@@ -9530,111 +9931,19 @@
             </a:r>
             <a:r>
               <a:rPr lang="sv-SE" sz="2000" dirty="0" err="1" smtClean="0"/>
-              <a:t>But</a:t>
-            </a:r>
-            <a:r>
-              <a:rPr lang="sv-SE" sz="2000" dirty="0" smtClean="0"/>
-              <a:t> </a:t>
-            </a:r>
-            <a:r>
-              <a:rPr lang="sv-SE" sz="2000" dirty="0" err="1" smtClean="0"/>
-              <a:t>before</a:t>
-            </a:r>
-            <a:r>
-              <a:rPr lang="sv-SE" sz="2000" dirty="0" smtClean="0"/>
-              <a:t> </a:t>
-            </a:r>
-            <a:r>
-              <a:rPr lang="sv-SE" sz="2000" dirty="0" err="1" smtClean="0"/>
-              <a:t>you</a:t>
-            </a:r>
-            <a:r>
-              <a:rPr lang="sv-SE" sz="2000" dirty="0" smtClean="0"/>
-              <a:t> start </a:t>
-            </a:r>
-            <a:r>
-              <a:rPr lang="sv-SE" sz="2000" dirty="0" err="1" smtClean="0"/>
-              <a:t>either</a:t>
-            </a:r>
-            <a:r>
-              <a:rPr lang="sv-SE" sz="2000" dirty="0" smtClean="0"/>
-              <a:t> </a:t>
-            </a:r>
-            <a:r>
-              <a:rPr lang="sv-SE" sz="2000" dirty="0" err="1" smtClean="0"/>
-              <a:t>of</a:t>
-            </a:r>
-            <a:r>
-              <a:rPr lang="sv-SE" sz="2000" dirty="0" smtClean="0"/>
-              <a:t> </a:t>
-            </a:r>
-            <a:r>
-              <a:rPr lang="sv-SE" sz="2000" dirty="0" err="1" smtClean="0"/>
-              <a:t>these</a:t>
-            </a:r>
-            <a:r>
-              <a:rPr lang="sv-SE" sz="2000" dirty="0" smtClean="0"/>
-              <a:t> make sure to </a:t>
-            </a:r>
-            <a:r>
-              <a:rPr lang="sv-SE" sz="2000" dirty="0" err="1" smtClean="0"/>
-              <a:t>have</a:t>
-            </a:r>
-            <a:r>
-              <a:rPr lang="sv-SE" sz="2000" dirty="0" smtClean="0"/>
-              <a:t> </a:t>
-            </a:r>
-            <a:r>
-              <a:rPr lang="sv-SE" sz="2000" dirty="0" err="1" smtClean="0"/>
-              <a:t>done</a:t>
-            </a:r>
-            <a:r>
-              <a:rPr lang="sv-SE" sz="2000" dirty="0" smtClean="0"/>
-              <a:t> an </a:t>
-            </a:r>
-            <a:r>
-              <a:rPr lang="sv-SE" sz="2000" dirty="0" err="1" smtClean="0"/>
-              <a:t>introduction</a:t>
-            </a:r>
-            <a:r>
-              <a:rPr lang="sv-SE" sz="2000" dirty="0" smtClean="0"/>
-              <a:t>.  The CRAN </a:t>
-            </a:r>
-            <a:r>
-              <a:rPr lang="sv-SE" sz="2000" dirty="0" err="1" smtClean="0"/>
-              <a:t>official</a:t>
-            </a:r>
-            <a:r>
-              <a:rPr lang="sv-SE" sz="2000" dirty="0" smtClean="0"/>
-              <a:t> </a:t>
-            </a:r>
-            <a:r>
-              <a:rPr lang="sv-SE" sz="2000" dirty="0" err="1" smtClean="0"/>
-              <a:t>introduction</a:t>
-            </a:r>
-            <a:r>
-              <a:rPr lang="sv-SE" sz="2000" dirty="0" smtClean="0"/>
-              <a:t> is a </a:t>
-            </a:r>
-            <a:r>
-              <a:rPr lang="sv-SE" sz="2000" dirty="0" err="1" smtClean="0"/>
-              <a:t>good</a:t>
-            </a:r>
-            <a:r>
-              <a:rPr lang="sv-SE" sz="2000" dirty="0" smtClean="0"/>
-              <a:t> </a:t>
-            </a:r>
-            <a:r>
-              <a:rPr lang="sv-SE" sz="2000" dirty="0" err="1" smtClean="0"/>
-              <a:t>place</a:t>
-            </a:r>
-            <a:r>
-              <a:rPr lang="sv-SE" sz="2000" dirty="0" smtClean="0"/>
-              <a:t> </a:t>
-            </a:r>
-            <a:r>
-              <a:rPr lang="sv-SE" sz="2000" dirty="0"/>
-              <a:t>to start </a:t>
+              <a:t>Python</a:t>
+            </a:r>
+            <a:r>
+              <a:rPr lang="sv-SE" sz="2000" dirty="0" smtClean="0"/>
+              <a:t> Data Science </a:t>
+            </a:r>
+            <a:r>
+              <a:rPr lang="sv-SE" sz="2000" dirty="0" err="1" smtClean="0"/>
+              <a:t>Handbook</a:t>
+            </a:r>
+            <a:r>
+              <a:rPr lang="sv-SE" sz="2000" dirty="0" smtClean="0"/>
+              <a:t> </a:t>
             </a:r>
             <a:r>
               <a:rPr lang="en-SE" sz="2000" dirty="0" smtClean="0"/>
@@ -9644,16 +9953,56 @@
               <a:rPr lang="sv-SE" sz="2000" dirty="0" smtClean="0"/>
               <a:t> </a:t>
             </a:r>
-            <a:br>
-              <a:rPr lang="sv-SE" sz="2000" dirty="0" smtClean="0"/>
-            </a:br>
-            <a:r>
-              <a:rPr lang="sv-SE" sz="2000" dirty="0" smtClean="0"/>
-              <a:t>https</a:t>
+            <a:r>
+              <a:rPr lang="sv-SE" sz="2000" dirty="0" err="1" smtClean="0"/>
+              <a:t>slightly</a:t>
+            </a:r>
+            <a:r>
+              <a:rPr lang="sv-SE" sz="2000" dirty="0" smtClean="0"/>
+              <a:t> </a:t>
+            </a:r>
+            <a:r>
+              <a:rPr lang="sv-SE" sz="2000" dirty="0" err="1" smtClean="0"/>
+              <a:t>more</a:t>
+            </a:r>
+            <a:r>
+              <a:rPr lang="sv-SE" sz="2000" dirty="0" smtClean="0"/>
+              <a:t> </a:t>
+            </a:r>
+            <a:r>
+              <a:rPr lang="sv-SE" sz="2000" dirty="0" err="1" smtClean="0"/>
+              <a:t>advanced</a:t>
+            </a:r>
+            <a:r>
+              <a:rPr lang="sv-SE" sz="2000" dirty="0" smtClean="0"/>
+              <a:t> </a:t>
+            </a:r>
+            <a:r>
+              <a:rPr lang="sv-SE" sz="2000" dirty="0" err="1" smtClean="0"/>
+              <a:t>introduction</a:t>
+            </a:r>
+            <a:r>
+              <a:rPr lang="sv-SE" sz="2000" dirty="0" smtClean="0"/>
+              <a:t> to data </a:t>
+            </a:r>
+            <a:r>
+              <a:rPr lang="sv-SE" sz="2000" dirty="0" err="1" smtClean="0"/>
+              <a:t>analysis</a:t>
+            </a:r>
+            <a:endParaRPr lang="sv-SE" sz="2000" dirty="0" smtClean="0"/>
+          </a:p>
+          <a:p>
+            <a:r>
+              <a:rPr lang="sv-SE" sz="2000" dirty="0" smtClean="0"/>
+              <a:t>    https</a:t>
             </a:r>
             <a:r>
               <a:rPr lang="sv-SE" sz="2000" dirty="0"/>
-              <a:t>://cran.r-project.org/doc/manuals/r-release/R-intro.html</a:t>
+              <a:t>://jakevdp.github.io/PythonDataScienceHandbook</a:t>
+            </a:r>
+            <a:r>
+              <a:rPr lang="sv-SE" sz="2000" dirty="0" smtClean="0"/>
+              <a:t>/</a:t>
             </a:r>
             <a:endParaRPr lang="sv-SE" sz="2000" dirty="0"/>
           </a:p>
@@ -9662,7 +10011,7 @@
     </p:spTree>
     <p:extLst>
       <p:ext uri="{BB962C8B-B14F-4D97-AF65-F5344CB8AC3E}">
-        <p14:creationId xmlns:p14="http://schemas.microsoft.com/office/powerpoint/2010/main" val="1310310757"/>
+        <p14:creationId xmlns:p14="http://schemas.microsoft.com/office/powerpoint/2010/main" val="460344901"/>
       </p:ext>
     </p:extLst>
   </p:cSld>
@@ -9722,16 +10071,8 @@
           <a:lstStyle/>
           <a:p>
             <a:r>
-              <a:rPr lang="sv-SE" dirty="0" err="1" smtClean="0"/>
-              <a:t>Python</a:t>
-            </a:r>
-            <a:r>
               <a:rPr lang="sv-SE" dirty="0" smtClean="0"/>
-              <a:t> scripts for </a:t>
-            </a:r>
-            <a:r>
-              <a:rPr lang="sv-SE" dirty="0" err="1" smtClean="0"/>
-              <a:t>today</a:t>
+              <a:t>Resources for R</a:t>
             </a:r>
             <a:endParaRPr lang="sv-SE" dirty="0"/>
           </a:p>
@@ -9745,8 +10086,8 @@
         </p:nvSpPr>
         <p:spPr>
           <a:xfrm>
-            <a:off x="1240137" y="2282766"/>
-            <a:ext cx="10077719" cy="1323439"/>
+            <a:off x="1240137" y="1765181"/>
+            <a:ext cx="10077719" cy="3170099"/>
           </a:xfrm>
           <a:prstGeom prst="rect">
             <a:avLst/>
@@ -9771,41 +10112,78 @@
             </a:r>
             <a:r>
               <a:rPr lang="sv-SE" sz="2000" dirty="0" err="1" smtClean="0"/>
-              <a:t>Work</a:t>
-            </a:r>
-            <a:r>
-              <a:rPr lang="sv-SE" sz="2000" dirty="0" smtClean="0"/>
-              <a:t> </a:t>
-            </a:r>
-            <a:r>
-              <a:rPr lang="sv-SE" sz="2000" dirty="0" err="1" smtClean="0"/>
-              <a:t>interactively</a:t>
-            </a:r>
-            <a:r>
-              <a:rPr lang="sv-SE" sz="2000" dirty="0" smtClean="0"/>
-              <a:t> </a:t>
-            </a:r>
-            <a:r>
-              <a:rPr lang="sv-SE" sz="2000" dirty="0" err="1" smtClean="0"/>
-              <a:t>through</a:t>
-            </a:r>
-            <a:r>
-              <a:rPr lang="sv-SE" sz="2000" dirty="0" smtClean="0"/>
-              <a:t> a series </a:t>
-            </a:r>
-            <a:r>
-              <a:rPr lang="sv-SE" sz="2000" dirty="0" err="1" smtClean="0"/>
-              <a:t>of</a:t>
-            </a:r>
-            <a:r>
-              <a:rPr lang="sv-SE" sz="2000" dirty="0" smtClean="0"/>
-              <a:t> script </a:t>
-            </a:r>
-            <a:r>
-              <a:rPr lang="sv-SE" sz="2000" dirty="0" err="1" smtClean="0"/>
-              <a:t>files</a:t>
-            </a:r>
-            <a:endParaRPr lang="sv-SE" sz="2000" dirty="0" smtClean="0"/>
+              <a:t>R</a:t>
+            </a:r>
+            <a:r>
+              <a:rPr lang="sv-SE" sz="2000" dirty="0" smtClean="0"/>
+              <a:t> for </a:t>
+            </a:r>
+            <a:r>
+              <a:rPr lang="sv-SE" sz="2000" dirty="0"/>
+              <a:t>Data </a:t>
+            </a:r>
+            <a:r>
+              <a:rPr lang="sv-SE" sz="2000" dirty="0" smtClean="0"/>
+              <a:t>Science: </a:t>
+            </a:r>
+            <a:r>
+              <a:rPr lang="sv-SE" sz="2000" dirty="0" smtClean="0"/>
+              <a:t/>
+            </a:r>
+            <a:br>
+              <a:rPr lang="sv-SE" sz="2000" dirty="0" smtClean="0"/>
+            </a:br>
+            <a:r>
+              <a:rPr lang="sv-SE" sz="2000" dirty="0" smtClean="0"/>
+              <a:t>https</a:t>
+            </a:r>
+            <a:r>
+              <a:rPr lang="sv-SE" sz="2000" dirty="0"/>
+              <a:t>://r4ds.had.co.nz</a:t>
+            </a:r>
+            <a:r>
+              <a:rPr lang="sv-SE" sz="2000" dirty="0" smtClean="0"/>
+              <a:t>/</a:t>
+            </a:r>
+            <a:br>
+              <a:rPr lang="sv-SE" sz="2000" dirty="0" smtClean="0"/>
+            </a:br>
+            <a:r>
+              <a:rPr lang="sv-SE" sz="2000" dirty="0" err="1"/>
+              <a:t>P</a:t>
+            </a:r>
+            <a:r>
+              <a:rPr lang="sv-SE" sz="2000" dirty="0" err="1" smtClean="0"/>
+              <a:t>robably</a:t>
+            </a:r>
+            <a:r>
+              <a:rPr lang="sv-SE" sz="2000" dirty="0" smtClean="0"/>
+              <a:t> the best </a:t>
+            </a:r>
+            <a:r>
+              <a:rPr lang="sv-SE" sz="2000" dirty="0" err="1" smtClean="0"/>
+              <a:t>book</a:t>
+            </a:r>
+            <a:r>
+              <a:rPr lang="sv-SE" sz="2000" dirty="0" smtClean="0"/>
+              <a:t> to </a:t>
+            </a:r>
+            <a:r>
+              <a:rPr lang="sv-SE" sz="2000" dirty="0" err="1" smtClean="0"/>
+              <a:t>learn</a:t>
+            </a:r>
+            <a:r>
+              <a:rPr lang="sv-SE" sz="2000" dirty="0" smtClean="0"/>
+              <a:t> </a:t>
+            </a:r>
+            <a:r>
+              <a:rPr lang="sv-SE" sz="2000" dirty="0" err="1" smtClean="0"/>
+              <a:t>intermediate</a:t>
+            </a:r>
+            <a:r>
+              <a:rPr lang="sv-SE" sz="2000" dirty="0" smtClean="0"/>
+              <a:t> R</a:t>
+            </a:r>
           </a:p>
           <a:p>
             <a:pPr marL="279400" indent="-265113"/>
@@ -9829,31 +10207,222 @@
             </a:r>
             <a:r>
               <a:rPr lang="sv-SE" sz="2000" dirty="0" err="1" smtClean="0"/>
-              <a:t>Available</a:t>
-            </a:r>
-            <a:r>
-              <a:rPr lang="sv-SE" sz="2000" dirty="0" smtClean="0"/>
-              <a:t> at my </a:t>
-            </a:r>
-            <a:r>
-              <a:rPr lang="sv-SE" sz="2000" dirty="0" err="1" smtClean="0"/>
-              <a:t>github</a:t>
-            </a:r>
-            <a:r>
-              <a:rPr lang="sv-SE" sz="2000" dirty="0" smtClean="0"/>
-              <a:t> -- </a:t>
-            </a:r>
+              <a:t>Stat</a:t>
+            </a:r>
+            <a:r>
+              <a:rPr lang="sv-SE" sz="2000" dirty="0" smtClean="0"/>
+              <a:t> 545 </a:t>
+            </a:r>
+            <a:r>
+              <a:rPr lang="en-SE" sz="2000" dirty="0" smtClean="0"/>
+              <a:t>–</a:t>
+            </a:r>
+            <a:r>
+              <a:rPr lang="sv-SE" sz="2000" dirty="0" smtClean="0"/>
+              <a:t> </a:t>
+            </a:r>
+            <a:r>
+              <a:rPr lang="sv-SE" sz="2000" dirty="0" err="1" smtClean="0"/>
+              <a:t>sligtly</a:t>
+            </a:r>
+            <a:r>
+              <a:rPr lang="sv-SE" sz="2000" dirty="0" smtClean="0"/>
+              <a:t> </a:t>
+            </a:r>
+            <a:r>
+              <a:rPr lang="sv-SE" sz="2000" dirty="0" err="1" smtClean="0"/>
+              <a:t>more</a:t>
+            </a:r>
+            <a:r>
+              <a:rPr lang="sv-SE" sz="2000" dirty="0" smtClean="0"/>
+              <a:t> </a:t>
+            </a:r>
+            <a:r>
+              <a:rPr lang="sv-SE" sz="2000" dirty="0" err="1" smtClean="0"/>
+              <a:t>advanced</a:t>
+            </a:r>
+            <a:r>
+              <a:rPr lang="sv-SE" sz="2000" dirty="0" smtClean="0"/>
+              <a:t> </a:t>
+            </a:r>
+            <a:r>
+              <a:rPr lang="sv-SE" sz="2000" dirty="0" err="1" smtClean="0"/>
+              <a:t>than</a:t>
+            </a:r>
+            <a:r>
+              <a:rPr lang="sv-SE" sz="2000" dirty="0" smtClean="0"/>
+              <a:t> </a:t>
+            </a:r>
+            <a:r>
+              <a:rPr lang="sv-SE" sz="2000" dirty="0" smtClean="0"/>
+              <a:t>R4DS:</a:t>
+            </a:r>
+            <a:r>
+              <a:rPr lang="sv-SE" sz="2000" dirty="0" smtClean="0"/>
+              <a:t/>
+            </a:r>
+            <a:br>
+              <a:rPr lang="sv-SE" sz="2000" dirty="0" smtClean="0"/>
+            </a:br>
+            <a:r>
+              <a:rPr lang="sv-SE" sz="2000" dirty="0" smtClean="0"/>
+              <a:t>https</a:t>
+            </a:r>
+            <a:r>
+              <a:rPr lang="sv-SE" sz="2000" dirty="0"/>
+              <a:t>://stat545.com/</a:t>
+            </a:r>
+            <a:endParaRPr lang="sv-SE" sz="2000" dirty="0" smtClean="0"/>
           </a:p>
           <a:p>
             <a:pPr marL="234950" lvl="0" indent="-220663"/>
-            <a:endParaRPr lang="sv-SE" sz="2000" dirty="0" smtClean="0"/>
+            <a:endParaRPr lang="sv-SE" sz="2000" dirty="0"/>
+          </a:p>
+          <a:p>
+            <a:pPr marL="234950" indent="-220663"/>
+            <a:r>
+              <a:rPr lang="sv-SE" sz="2000" dirty="0" err="1" smtClean="0">
+                <a:solidFill>
+                  <a:schemeClr val="accent1"/>
+                </a:solidFill>
+                <a:latin typeface="Wingdings 3" panose="05040102010807070707" pitchFamily="18" charset="2"/>
+              </a:rPr>
+              <a:t>z</a:t>
+            </a:r>
+            <a:r>
+              <a:rPr lang="sv-SE" sz="2000" dirty="0" err="1" smtClean="0"/>
+              <a:t>But</a:t>
+            </a:r>
+            <a:r>
+              <a:rPr lang="sv-SE" sz="2000" dirty="0" smtClean="0"/>
+              <a:t> </a:t>
+            </a:r>
+            <a:r>
+              <a:rPr lang="sv-SE" sz="2000" dirty="0" err="1" smtClean="0"/>
+              <a:t>before</a:t>
+            </a:r>
+            <a:r>
+              <a:rPr lang="sv-SE" sz="2000" dirty="0" smtClean="0"/>
+              <a:t> </a:t>
+            </a:r>
+            <a:r>
+              <a:rPr lang="sv-SE" sz="2000" dirty="0" err="1" smtClean="0"/>
+              <a:t>you</a:t>
+            </a:r>
+            <a:r>
+              <a:rPr lang="sv-SE" sz="2000" dirty="0" smtClean="0"/>
+              <a:t> start </a:t>
+            </a:r>
+            <a:r>
+              <a:rPr lang="sv-SE" sz="2000" dirty="0" err="1" smtClean="0"/>
+              <a:t>either</a:t>
+            </a:r>
+            <a:r>
+              <a:rPr lang="sv-SE" sz="2000" dirty="0" smtClean="0"/>
+              <a:t> </a:t>
+            </a:r>
+            <a:r>
+              <a:rPr lang="sv-SE" sz="2000" dirty="0" err="1" smtClean="0"/>
+              <a:t>of</a:t>
+            </a:r>
+            <a:r>
+              <a:rPr lang="sv-SE" sz="2000" dirty="0" smtClean="0"/>
+              <a:t> </a:t>
+            </a:r>
+            <a:r>
+              <a:rPr lang="sv-SE" sz="2000" dirty="0" err="1" smtClean="0"/>
+              <a:t>these</a:t>
+            </a:r>
+            <a:r>
+              <a:rPr lang="sv-SE" sz="2000" dirty="0" smtClean="0"/>
+              <a:t> make sure to </a:t>
+            </a:r>
+            <a:r>
+              <a:rPr lang="sv-SE" sz="2000" dirty="0" err="1" smtClean="0"/>
+              <a:t>have</a:t>
+            </a:r>
+            <a:r>
+              <a:rPr lang="sv-SE" sz="2000" dirty="0" smtClean="0"/>
+              <a:t> </a:t>
+            </a:r>
+            <a:r>
+              <a:rPr lang="sv-SE" sz="2000" dirty="0" err="1" smtClean="0"/>
+              <a:t>done</a:t>
+            </a:r>
+            <a:r>
+              <a:rPr lang="sv-SE" sz="2000" dirty="0" smtClean="0"/>
+              <a:t> an </a:t>
+            </a:r>
+            <a:r>
+              <a:rPr lang="sv-SE" sz="2000" dirty="0" err="1" smtClean="0"/>
+              <a:t>introduction</a:t>
+            </a:r>
+            <a:r>
+              <a:rPr lang="sv-SE" sz="2000" dirty="0" smtClean="0"/>
+              <a:t>.  The CRAN </a:t>
+            </a:r>
+            <a:r>
+              <a:rPr lang="sv-SE" sz="2000" dirty="0" err="1" smtClean="0"/>
+              <a:t>official</a:t>
+            </a:r>
+            <a:r>
+              <a:rPr lang="sv-SE" sz="2000" dirty="0" smtClean="0"/>
+              <a:t> </a:t>
+            </a:r>
+            <a:r>
+              <a:rPr lang="sv-SE" sz="2000" dirty="0" err="1" smtClean="0"/>
+              <a:t>introduction</a:t>
+            </a:r>
+            <a:r>
+              <a:rPr lang="sv-SE" sz="2000" dirty="0" smtClean="0"/>
+              <a:t> is a </a:t>
+            </a:r>
+            <a:r>
+              <a:rPr lang="sv-SE" sz="2000" dirty="0" err="1" smtClean="0"/>
+              <a:t>good</a:t>
+            </a:r>
+            <a:r>
+              <a:rPr lang="sv-SE" sz="2000" dirty="0" smtClean="0"/>
+              <a:t> </a:t>
+            </a:r>
+            <a:r>
+              <a:rPr lang="sv-SE" sz="2000" dirty="0" err="1" smtClean="0"/>
+              <a:t>place</a:t>
+            </a:r>
+            <a:r>
+              <a:rPr lang="sv-SE" sz="2000" dirty="0" smtClean="0"/>
+              <a:t> </a:t>
+            </a:r>
+            <a:r>
+              <a:rPr lang="sv-SE" sz="2000" dirty="0"/>
+              <a:t>to </a:t>
+            </a:r>
+            <a:r>
+              <a:rPr lang="sv-SE" sz="2000" dirty="0" smtClean="0"/>
+              <a:t>start:</a:t>
+            </a:r>
+            <a:r>
+              <a:rPr lang="sv-SE" sz="2000" dirty="0" smtClean="0"/>
+              <a:t/>
+            </a:r>
+            <a:br>
+              <a:rPr lang="sv-SE" sz="2000" dirty="0" smtClean="0"/>
+            </a:br>
+            <a:r>
+              <a:rPr lang="sv-SE" sz="2000" dirty="0" smtClean="0"/>
+              <a:t>https</a:t>
+            </a:r>
+            <a:r>
+              <a:rPr lang="sv-SE" sz="2000" dirty="0"/>
+              <a:t>://cran.r-project.org/doc/manuals/r-release/R-intro.html</a:t>
+            </a:r>
           </a:p>
         </p:txBody>
       </p:sp>
     </p:spTree>
     <p:extLst>
       <p:ext uri="{BB962C8B-B14F-4D97-AF65-F5344CB8AC3E}">
-        <p14:creationId xmlns:p14="http://schemas.microsoft.com/office/powerpoint/2010/main" val="2271979150"/>
+        <p14:creationId xmlns:p14="http://schemas.microsoft.com/office/powerpoint/2010/main" val="1310310757"/>
       </p:ext>
     </p:extLst>
   </p:cSld>
@@ -10804,6 +11373,21 @@
 </file>
 
 <file path=customXml/item1.xml><?xml version="1.0" encoding="utf-8"?>
+<p:properties xmlns:p="http://schemas.microsoft.com/office/2006/metadata/properties" xmlns:xsi="http://www.w3.org/2001/XMLSchema-instance" xmlns:pc="http://schemas.microsoft.com/office/infopath/2007/PartnerControls">
+  <documentManagement/>
+</p:properties>
+</file>
+
+<file path=customXml/item2.xml><?xml version="1.0" encoding="utf-8"?>
+<?mso-contentType ?>
+<FormTemplates xmlns="http://schemas.microsoft.com/sharepoint/v3/contenttype/forms">
+  <Display>DocumentLibraryForm</Display>
+  <Edit>DocumentLibraryForm</Edit>
+  <New>DocumentLibraryForm</New>
+</FormTemplates>
+</file>
+
+<file path=customXml/item3.xml><?xml version="1.0" encoding="utf-8"?>
 <ct:contentTypeSchema xmlns:ct="http://schemas.microsoft.com/office/2006/metadata/contentType" xmlns:ma="http://schemas.microsoft.com/office/2006/metadata/properties/metaAttributes" ct:_="" ma:_="" ma:contentTypeName="Document" ma:contentTypeID="0x010100B21FC76DC54E6D4ABB9575596F6E6CE3" ma:contentTypeVersion="2" ma:contentTypeDescription="Create a new document." ma:contentTypeScope="" ma:versionID="910170a3029b315f6a9a83d3e4ade203">
   <xsd:schema xmlns:xsd="http://www.w3.org/2001/XMLSchema" xmlns:xs="http://www.w3.org/2001/XMLSchema" xmlns:p="http://schemas.microsoft.com/office/2006/metadata/properties" xmlns:ns2="fdea8b15-36b5-44c9-a9fe-b44c3d98f4af" targetNamespace="http://schemas.microsoft.com/office/2006/metadata/properties" ma:root="true" ma:fieldsID="1a2acd9eb00607678832e4e9cdfdeda5" ns2:_="">
     <xsd:import namespace="fdea8b15-36b5-44c9-a9fe-b44c3d98f4af"/>
@@ -10935,22 +11519,31 @@
 </ct:contentTypeSchema>
 </file>
 
-<file path=customXml/item2.xml><?xml version="1.0" encoding="utf-8"?>
-<?mso-contentType ?>
-<FormTemplates xmlns="http://schemas.microsoft.com/sharepoint/v3/contenttype/forms">
-  <Display>DocumentLibraryForm</Display>
-  <Edit>DocumentLibraryForm</Edit>
-  <New>DocumentLibraryForm</New>
-</FormTemplates>
+<file path=customXml/itemProps1.xml><?xml version="1.0" encoding="utf-8"?>
+<ds:datastoreItem xmlns:ds="http://schemas.openxmlformats.org/officeDocument/2006/customXml" ds:itemID="{69BE1806-9719-4BD5-8DA5-2D678AE5FA71}">
+  <ds:schemaRefs>
+    <ds:schemaRef ds:uri="http://purl.org/dc/elements/1.1/"/>
+    <ds:schemaRef ds:uri="http://schemas.microsoft.com/office/2006/metadata/properties"/>
+    <ds:schemaRef ds:uri="http://schemas.microsoft.com/office/2006/documentManagement/types"/>
+    <ds:schemaRef ds:uri="http://purl.org/dc/terms/"/>
+    <ds:schemaRef ds:uri="http://schemas.openxmlformats.org/package/2006/metadata/core-properties"/>
+    <ds:schemaRef ds:uri="http://purl.org/dc/dcmitype/"/>
+    <ds:schemaRef ds:uri="http://schemas.microsoft.com/office/infopath/2007/PartnerControls"/>
+    <ds:schemaRef ds:uri="fdea8b15-36b5-44c9-a9fe-b44c3d98f4af"/>
+    <ds:schemaRef ds:uri="http://www.w3.org/XML/1998/namespace"/>
+  </ds:schemaRefs>
+</ds:datastoreItem>
 </file>
 
-<file path=customXml/item3.xml><?xml version="1.0" encoding="utf-8"?>
-<p:properties xmlns:p="http://schemas.microsoft.com/office/2006/metadata/properties" xmlns:xsi="http://www.w3.org/2001/XMLSchema-instance" xmlns:pc="http://schemas.microsoft.com/office/infopath/2007/PartnerControls">
-  <documentManagement/>
-</p:properties>
+<file path=customXml/itemProps2.xml><?xml version="1.0" encoding="utf-8"?>
+<ds:datastoreItem xmlns:ds="http://schemas.openxmlformats.org/officeDocument/2006/customXml" ds:itemID="{34164AA9-A11C-4226-814E-0FA692FF1573}">
+  <ds:schemaRefs>
+    <ds:schemaRef ds:uri="http://schemas.microsoft.com/sharepoint/v3/contenttype/forms"/>
+  </ds:schemaRefs>
+</ds:datastoreItem>
 </file>
 
-<file path=customXml/itemProps1.xml><?xml version="1.0" encoding="utf-8"?>
+<file path=customXml/itemProps3.xml><?xml version="1.0" encoding="utf-8"?>
 <ds:datastoreItem xmlns:ds="http://schemas.openxmlformats.org/officeDocument/2006/customXml" ds:itemID="{92359EBD-1CD8-47DE-BF71-932E5B7B9FCA}">
   <ds:schemaRefs>
     <ds:schemaRef ds:uri="http://schemas.microsoft.com/office/2006/metadata/contentType"/>
@@ -10966,28 +11559,4 @@
     <ds:schemaRef ds:uri="http://schemas.microsoft.com/internal/obd"/>
   </ds:schemaRefs>
 </ds:datastoreItem>
-</file>
-
-<file path=customXml/itemProps2.xml><?xml version="1.0" encoding="utf-8"?>
-<ds:datastoreItem xmlns:ds="http://schemas.openxmlformats.org/officeDocument/2006/customXml" ds:itemID="{34164AA9-A11C-4226-814E-0FA692FF1573}">
-  <ds:schemaRefs>
-    <ds:schemaRef ds:uri="http://schemas.microsoft.com/sharepoint/v3/contenttype/forms"/>
-  </ds:schemaRefs>
-</ds:datastoreItem>
-</file>
-
-<file path=customXml/itemProps3.xml><?xml version="1.0" encoding="utf-8"?>
-<ds:datastoreItem xmlns:ds="http://schemas.openxmlformats.org/officeDocument/2006/customXml" ds:itemID="{69BE1806-9719-4BD5-8DA5-2D678AE5FA71}">
-  <ds:schemaRefs>
-    <ds:schemaRef ds:uri="http://schemas.microsoft.com/office/2006/metadata/properties"/>
-    <ds:schemaRef ds:uri="fdea8b15-36b5-44c9-a9fe-b44c3d98f4af"/>
-    <ds:schemaRef ds:uri="http://purl.org/dc/terms/"/>
-    <ds:schemaRef ds:uri="http://schemas.openxmlformats.org/package/2006/metadata/core-properties"/>
-    <ds:schemaRef ds:uri="http://purl.org/dc/dcmitype/"/>
-    <ds:schemaRef ds:uri="http://schemas.microsoft.com/office/2006/documentManagement/types"/>
-    <ds:schemaRef ds:uri="http://purl.org/dc/elements/1.1/"/>
-    <ds:schemaRef ds:uri="http://schemas.microsoft.com/office/infopath/2007/PartnerControls"/>
-    <ds:schemaRef ds:uri="http://www.w3.org/XML/1998/namespace"/>
-  </ds:schemaRefs>
-</ds:datastoreItem>
 </file>
--- a/presentation.pptx
+++ b/presentation.pptx
@@ -212,7 +212,7 @@
           <a:p>
             <a:fld id="{1C9CF348-792B-49FC-8D68-5132B8B47E4D}" type="datetimeFigureOut">
               <a:rPr lang="en-US" smtClean="0"/>
-              <a:t>2/18/2019</a:t>
+              <a:t>2/19/2019</a:t>
             </a:fld>
             <a:endParaRPr lang="en-US"/>
           </a:p>
@@ -1532,7 +1532,7 @@
           <a:bodyPr/>
           <a:lstStyle/>
           <a:p>
-            <a:endParaRPr lang="sv-SE"/>
+            <a:endParaRPr lang="sv-SE" dirty="0"/>
           </a:p>
         </p:txBody>
       </p:sp>
@@ -5926,6 +5926,9 @@
               </a:rPr>
               <a:t>darrel.robinson@advectas.se</a:t>
             </a:r>
+          </a:p>
+          <a:p>
+            <a:pPr algn="ctr"/>
             <a:endParaRPr lang="sv-SE" sz="2800" dirty="0">
               <a:solidFill>
                 <a:schemeClr val="tx2"/>
@@ -6401,6 +6404,13 @@
       </p:transition>
     </mc:Fallback>
   </mc:AlternateContent>
+  <p:timing>
+    <p:tnLst>
+      <p:par>
+        <p:cTn id="1" dur="indefinite" restart="never" nodeType="tmRoot"/>
+      </p:par>
+    </p:tnLst>
+  </p:timing>
 </p:sld>
 </file>
 
@@ -6650,6 +6660,13 @@
       </p:transition>
     </mc:Fallback>
   </mc:AlternateContent>
+  <p:timing>
+    <p:tnLst>
+      <p:par>
+        <p:cTn id="1" dur="indefinite" restart="never" nodeType="tmRoot"/>
+      </p:par>
+    </p:tnLst>
+  </p:timing>
 </p:sld>
 </file>
 
@@ -6857,6 +6874,13 @@
       </p:transition>
     </mc:Fallback>
   </mc:AlternateContent>
+  <p:timing>
+    <p:tnLst>
+      <p:par>
+        <p:cTn id="1" dur="indefinite" restart="never" nodeType="tmRoot"/>
+      </p:par>
+    </p:tnLst>
+  </p:timing>
 </p:sld>
 </file>
 
@@ -7090,6 +7114,13 @@
       </p:transition>
     </mc:Fallback>
   </mc:AlternateContent>
+  <p:timing>
+    <p:tnLst>
+      <p:par>
+        <p:cTn id="1" dur="indefinite" restart="never" nodeType="tmRoot"/>
+      </p:par>
+    </p:tnLst>
+  </p:timing>
 </p:sld>
 </file>
 
@@ -7196,6 +7227,13 @@
       </p:transition>
     </mc:Fallback>
   </mc:AlternateContent>
+  <p:timing>
+    <p:tnLst>
+      <p:par>
+        <p:cTn id="1" dur="indefinite" restart="never" nodeType="tmRoot"/>
+      </p:par>
+    </p:tnLst>
+  </p:timing>
 </p:sld>
 </file>
 
@@ -7418,6 +7456,13 @@
       </p:transition>
     </mc:Fallback>
   </mc:AlternateContent>
+  <p:timing>
+    <p:tnLst>
+      <p:par>
+        <p:cTn id="1" dur="indefinite" restart="never" nodeType="tmRoot"/>
+      </p:par>
+    </p:tnLst>
+  </p:timing>
 </p:sld>
 </file>
 
@@ -7705,6 +7750,13 @@
       </p:transition>
     </mc:Fallback>
   </mc:AlternateContent>
+  <p:timing>
+    <p:tnLst>
+      <p:par>
+        <p:cTn id="1" dur="indefinite" restart="never" nodeType="tmRoot"/>
+      </p:par>
+    </p:tnLst>
+  </p:timing>
 </p:sld>
 </file>
 
@@ -8192,15 +8244,7 @@
             </a:r>
             <a:r>
               <a:rPr lang="sv-SE" dirty="0" smtClean="0"/>
-              <a:t> </a:t>
-            </a:r>
-            <a:r>
-              <a:rPr lang="sv-SE" dirty="0" smtClean="0"/>
-              <a:t>and </a:t>
-            </a:r>
-            <a:r>
-              <a:rPr lang="sv-SE" dirty="0" smtClean="0"/>
-              <a:t>r</a:t>
+              <a:t> and r</a:t>
             </a:r>
             <a:endParaRPr lang="sv-SE" dirty="0"/>
           </a:p>
@@ -8319,11 +8363,7 @@
             </a:r>
             <a:r>
               <a:rPr lang="sv-SE" sz="2000" dirty="0" smtClean="0"/>
-              <a:t> to </a:t>
-            </a:r>
-            <a:r>
-              <a:rPr lang="sv-SE" sz="2000" dirty="0" smtClean="0"/>
-              <a:t>start as </a:t>
+              <a:t> to start as </a:t>
             </a:r>
             <a:r>
               <a:rPr lang="sv-SE" sz="2000" dirty="0" err="1" smtClean="0"/>
@@ -8367,19 +8407,7 @@
             </a:r>
             <a:r>
               <a:rPr lang="sv-SE" sz="2000" dirty="0" smtClean="0"/>
-              <a:t> to </a:t>
-            </a:r>
-            <a:r>
-              <a:rPr lang="sv-SE" sz="2000" dirty="0" smtClean="0"/>
-              <a:t>start as</a:t>
-            </a:r>
-            <a:r>
-              <a:rPr lang="sv-SE" sz="2000" dirty="0" smtClean="0"/>
-              <a:t> </a:t>
-            </a:r>
-            <a:r>
-              <a:rPr lang="sv-SE" sz="2000" dirty="0" smtClean="0"/>
-              <a:t>R </a:t>
+              <a:t> to start as R </a:t>
             </a:r>
             <a:r>
               <a:rPr lang="sv-SE" sz="2000" dirty="0" err="1" smtClean="0"/>
@@ -9037,23 +9065,7 @@
             </a:r>
             <a:r>
               <a:rPr lang="sv-SE" sz="2000" dirty="0" smtClean="0"/>
-              <a:t> (</a:t>
-            </a:r>
-            <a:r>
-              <a:rPr lang="sv-SE" sz="2000" dirty="0" err="1" smtClean="0"/>
-              <a:t>but</a:t>
-            </a:r>
-            <a:r>
-              <a:rPr lang="sv-SE" sz="2000" dirty="0" smtClean="0"/>
-              <a:t> fast-</a:t>
-            </a:r>
-            <a:r>
-              <a:rPr lang="sv-SE" sz="2000" dirty="0" err="1" smtClean="0"/>
-              <a:t>paced</a:t>
-            </a:r>
-            <a:r>
-              <a:rPr lang="sv-SE" sz="2000" dirty="0" smtClean="0"/>
-              <a:t>), </a:t>
+              <a:t>, </a:t>
             </a:r>
             <a:r>
               <a:rPr lang="sv-SE" sz="2000" dirty="0" err="1" smtClean="0"/>
@@ -9261,6 +9273,13 @@
       </p:transition>
     </mc:Fallback>
   </mc:AlternateContent>
+  <p:timing>
+    <p:tnLst>
+      <p:par>
+        <p:cTn id="1" dur="indefinite" restart="never" nodeType="tmRoot"/>
+      </p:par>
+    </p:tnLst>
+  </p:timing>
 </p:sld>
 </file>
 
@@ -9524,6 +9543,13 @@
       </p:transition>
     </mc:Fallback>
   </mc:AlternateContent>
+  <p:timing>
+    <p:tnLst>
+      <p:par>
+        <p:cTn id="1" dur="indefinite" restart="never" nodeType="tmRoot"/>
+      </p:par>
+    </p:tnLst>
+  </p:timing>
 </p:sld>
 </file>
 
@@ -9644,7 +9670,6 @@
               <a:rPr lang="sv-SE" sz="2000" dirty="0" smtClean="0"/>
               <a:t>:</a:t>
             </a:r>
-            <a:endParaRPr lang="sv-SE" sz="2000" dirty="0" smtClean="0"/>
           </a:p>
           <a:p>
             <a:pPr marL="279400" indent="-265113"/>
@@ -9901,7 +9926,6 @@
               <a:rPr lang="sv-SE" sz="2000" dirty="0" smtClean="0"/>
               <a:t>:</a:t>
             </a:r>
-            <a:endParaRPr lang="sv-SE" sz="2000" dirty="0" smtClean="0"/>
           </a:p>
           <a:p>
             <a:pPr marL="234950" lvl="0" indent="-220663"/>
@@ -10030,6 +10054,13 @@
       </p:transition>
     </mc:Fallback>
   </mc:AlternateContent>
+  <p:timing>
+    <p:tnLst>
+      <p:par>
+        <p:cTn id="1" dur="indefinite" restart="never" nodeType="tmRoot"/>
+      </p:par>
+    </p:tnLst>
+  </p:timing>
 </p:sld>
 </file>
 
@@ -10126,10 +10157,6 @@
               <a:rPr lang="sv-SE" sz="2000" dirty="0" smtClean="0"/>
               <a:t>Science: </a:t>
             </a:r>
-            <a:r>
-              <a:rPr lang="sv-SE" sz="2000" dirty="0" smtClean="0"/>
-              <a:t/>
-            </a:r>
             <a:br>
               <a:rPr lang="sv-SE" sz="2000" dirty="0" smtClean="0"/>
             </a:br>
@@ -10251,15 +10278,7 @@
             </a:r>
             <a:r>
               <a:rPr lang="sv-SE" sz="2000" dirty="0" smtClean="0"/>
-              <a:t> </a:t>
-            </a:r>
-            <a:r>
-              <a:rPr lang="sv-SE" sz="2000" dirty="0" smtClean="0"/>
-              <a:t>R4DS:</a:t>
-            </a:r>
-            <a:r>
-              <a:rPr lang="sv-SE" sz="2000" dirty="0" smtClean="0"/>
-              <a:t/>
+              <a:t> R4DS:</a:t>
             </a:r>
             <a:br>
               <a:rPr lang="sv-SE" sz="2000" dirty="0" smtClean="0"/>
@@ -10400,10 +10419,6 @@
             <a:r>
               <a:rPr lang="sv-SE" sz="2000" dirty="0" smtClean="0"/>
               <a:t>start:</a:t>
-            </a:r>
-            <a:r>
-              <a:rPr lang="sv-SE" sz="2000" dirty="0" smtClean="0"/>
-              <a:t/>
             </a:r>
             <a:br>
               <a:rPr lang="sv-SE" sz="2000" dirty="0" smtClean="0"/>
@@ -10850,6 +10865,13 @@
       </p:transition>
     </mc:Fallback>
   </mc:AlternateContent>
+  <p:timing>
+    <p:tnLst>
+      <p:par>
+        <p:cTn id="1" dur="indefinite" restart="never" nodeType="tmRoot"/>
+      </p:par>
+    </p:tnLst>
+  </p:timing>
 </p:sld>
 </file>
 
@@ -11373,21 +11395,6 @@
 </file>
 
 <file path=customXml/item1.xml><?xml version="1.0" encoding="utf-8"?>
-<p:properties xmlns:p="http://schemas.microsoft.com/office/2006/metadata/properties" xmlns:xsi="http://www.w3.org/2001/XMLSchema-instance" xmlns:pc="http://schemas.microsoft.com/office/infopath/2007/PartnerControls">
-  <documentManagement/>
-</p:properties>
-</file>
-
-<file path=customXml/item2.xml><?xml version="1.0" encoding="utf-8"?>
-<?mso-contentType ?>
-<FormTemplates xmlns="http://schemas.microsoft.com/sharepoint/v3/contenttype/forms">
-  <Display>DocumentLibraryForm</Display>
-  <Edit>DocumentLibraryForm</Edit>
-  <New>DocumentLibraryForm</New>
-</FormTemplates>
-</file>
-
-<file path=customXml/item3.xml><?xml version="1.0" encoding="utf-8"?>
 <ct:contentTypeSchema xmlns:ct="http://schemas.microsoft.com/office/2006/metadata/contentType" xmlns:ma="http://schemas.microsoft.com/office/2006/metadata/properties/metaAttributes" ct:_="" ma:_="" ma:contentTypeName="Document" ma:contentTypeID="0x010100B21FC76DC54E6D4ABB9575596F6E6CE3" ma:contentTypeVersion="2" ma:contentTypeDescription="Create a new document." ma:contentTypeScope="" ma:versionID="910170a3029b315f6a9a83d3e4ade203">
   <xsd:schema xmlns:xsd="http://www.w3.org/2001/XMLSchema" xmlns:xs="http://www.w3.org/2001/XMLSchema" xmlns:p="http://schemas.microsoft.com/office/2006/metadata/properties" xmlns:ns2="fdea8b15-36b5-44c9-a9fe-b44c3d98f4af" targetNamespace="http://schemas.microsoft.com/office/2006/metadata/properties" ma:root="true" ma:fieldsID="1a2acd9eb00607678832e4e9cdfdeda5" ns2:_="">
     <xsd:import namespace="fdea8b15-36b5-44c9-a9fe-b44c3d98f4af"/>
@@ -11519,31 +11526,22 @@
 </ct:contentTypeSchema>
 </file>
 
-<file path=customXml/itemProps1.xml><?xml version="1.0" encoding="utf-8"?>
-<ds:datastoreItem xmlns:ds="http://schemas.openxmlformats.org/officeDocument/2006/customXml" ds:itemID="{69BE1806-9719-4BD5-8DA5-2D678AE5FA71}">
-  <ds:schemaRefs>
-    <ds:schemaRef ds:uri="http://purl.org/dc/elements/1.1/"/>
-    <ds:schemaRef ds:uri="http://schemas.microsoft.com/office/2006/metadata/properties"/>
-    <ds:schemaRef ds:uri="http://schemas.microsoft.com/office/2006/documentManagement/types"/>
-    <ds:schemaRef ds:uri="http://purl.org/dc/terms/"/>
-    <ds:schemaRef ds:uri="http://schemas.openxmlformats.org/package/2006/metadata/core-properties"/>
-    <ds:schemaRef ds:uri="http://purl.org/dc/dcmitype/"/>
-    <ds:schemaRef ds:uri="http://schemas.microsoft.com/office/infopath/2007/PartnerControls"/>
-    <ds:schemaRef ds:uri="fdea8b15-36b5-44c9-a9fe-b44c3d98f4af"/>
-    <ds:schemaRef ds:uri="http://www.w3.org/XML/1998/namespace"/>
-  </ds:schemaRefs>
-</ds:datastoreItem>
+<file path=customXml/item2.xml><?xml version="1.0" encoding="utf-8"?>
+<?mso-contentType ?>
+<FormTemplates xmlns="http://schemas.microsoft.com/sharepoint/v3/contenttype/forms">
+  <Display>DocumentLibraryForm</Display>
+  <Edit>DocumentLibraryForm</Edit>
+  <New>DocumentLibraryForm</New>
+</FormTemplates>
 </file>
 
-<file path=customXml/itemProps2.xml><?xml version="1.0" encoding="utf-8"?>
-<ds:datastoreItem xmlns:ds="http://schemas.openxmlformats.org/officeDocument/2006/customXml" ds:itemID="{34164AA9-A11C-4226-814E-0FA692FF1573}">
-  <ds:schemaRefs>
-    <ds:schemaRef ds:uri="http://schemas.microsoft.com/sharepoint/v3/contenttype/forms"/>
-  </ds:schemaRefs>
-</ds:datastoreItem>
+<file path=customXml/item3.xml><?xml version="1.0" encoding="utf-8"?>
+<p:properties xmlns:p="http://schemas.microsoft.com/office/2006/metadata/properties" xmlns:xsi="http://www.w3.org/2001/XMLSchema-instance" xmlns:pc="http://schemas.microsoft.com/office/infopath/2007/PartnerControls">
+  <documentManagement/>
+</p:properties>
 </file>
 
-<file path=customXml/itemProps3.xml><?xml version="1.0" encoding="utf-8"?>
+<file path=customXml/itemProps1.xml><?xml version="1.0" encoding="utf-8"?>
 <ds:datastoreItem xmlns:ds="http://schemas.openxmlformats.org/officeDocument/2006/customXml" ds:itemID="{92359EBD-1CD8-47DE-BF71-932E5B7B9FCA}">
   <ds:schemaRefs>
     <ds:schemaRef ds:uri="http://schemas.microsoft.com/office/2006/metadata/contentType"/>
@@ -11559,4 +11557,28 @@
     <ds:schemaRef ds:uri="http://schemas.microsoft.com/internal/obd"/>
   </ds:schemaRefs>
 </ds:datastoreItem>
+</file>
+
+<file path=customXml/itemProps2.xml><?xml version="1.0" encoding="utf-8"?>
+<ds:datastoreItem xmlns:ds="http://schemas.openxmlformats.org/officeDocument/2006/customXml" ds:itemID="{34164AA9-A11C-4226-814E-0FA692FF1573}">
+  <ds:schemaRefs>
+    <ds:schemaRef ds:uri="http://schemas.microsoft.com/sharepoint/v3/contenttype/forms"/>
+  </ds:schemaRefs>
+</ds:datastoreItem>
+</file>
+
+<file path=customXml/itemProps3.xml><?xml version="1.0" encoding="utf-8"?>
+<ds:datastoreItem xmlns:ds="http://schemas.openxmlformats.org/officeDocument/2006/customXml" ds:itemID="{69BE1806-9719-4BD5-8DA5-2D678AE5FA71}">
+  <ds:schemaRefs>
+    <ds:schemaRef ds:uri="http://purl.org/dc/dcmitype/"/>
+    <ds:schemaRef ds:uri="http://schemas.microsoft.com/office/2006/documentManagement/types"/>
+    <ds:schemaRef ds:uri="http://purl.org/dc/elements/1.1/"/>
+    <ds:schemaRef ds:uri="http://schemas.microsoft.com/office/2006/metadata/properties"/>
+    <ds:schemaRef ds:uri="fdea8b15-36b5-44c9-a9fe-b44c3d98f4af"/>
+    <ds:schemaRef ds:uri="http://purl.org/dc/terms/"/>
+    <ds:schemaRef ds:uri="http://schemas.openxmlformats.org/package/2006/metadata/core-properties"/>
+    <ds:schemaRef ds:uri="http://schemas.microsoft.com/office/infopath/2007/PartnerControls"/>
+    <ds:schemaRef ds:uri="http://www.w3.org/XML/1998/namespace"/>
+  </ds:schemaRefs>
+</ds:datastoreItem>
 </file>